--- a/dokumen/Slide Sidang.pptx
+++ b/dokumen/Slide Sidang.pptx
@@ -330,7 +330,7 @@
           <a:p>
             <a:fld id="{5DCD4004-B8B5-430E-A6A1-F83CDF558C83}" type="datetimeFigureOut">
               <a:rPr lang="en-US" smtClean="0"/>
-              <a:t>7/8/2015</a:t>
+              <a:t>7/9/2015</a:t>
             </a:fld>
             <a:endParaRPr lang="en-US"/>
           </a:p>
@@ -500,7 +500,7 @@
           <a:p>
             <a:fld id="{5DCD4004-B8B5-430E-A6A1-F83CDF558C83}" type="datetimeFigureOut">
               <a:rPr lang="en-US" smtClean="0"/>
-              <a:t>7/8/2015</a:t>
+              <a:t>7/9/2015</a:t>
             </a:fld>
             <a:endParaRPr lang="en-US"/>
           </a:p>
@@ -680,7 +680,7 @@
           <a:p>
             <a:fld id="{5DCD4004-B8B5-430E-A6A1-F83CDF558C83}" type="datetimeFigureOut">
               <a:rPr lang="en-US" smtClean="0"/>
-              <a:t>7/8/2015</a:t>
+              <a:t>7/9/2015</a:t>
             </a:fld>
             <a:endParaRPr lang="en-US"/>
           </a:p>
@@ -850,7 +850,7 @@
           <a:p>
             <a:fld id="{5DCD4004-B8B5-430E-A6A1-F83CDF558C83}" type="datetimeFigureOut">
               <a:rPr lang="en-US" smtClean="0"/>
-              <a:t>7/8/2015</a:t>
+              <a:t>7/9/2015</a:t>
             </a:fld>
             <a:endParaRPr lang="en-US"/>
           </a:p>
@@ -1096,7 +1096,7 @@
           <a:p>
             <a:fld id="{5DCD4004-B8B5-430E-A6A1-F83CDF558C83}" type="datetimeFigureOut">
               <a:rPr lang="en-US" smtClean="0"/>
-              <a:t>7/8/2015</a:t>
+              <a:t>7/9/2015</a:t>
             </a:fld>
             <a:endParaRPr lang="en-US"/>
           </a:p>
@@ -1384,7 +1384,7 @@
           <a:p>
             <a:fld id="{5DCD4004-B8B5-430E-A6A1-F83CDF558C83}" type="datetimeFigureOut">
               <a:rPr lang="en-US" smtClean="0"/>
-              <a:t>7/8/2015</a:t>
+              <a:t>7/9/2015</a:t>
             </a:fld>
             <a:endParaRPr lang="en-US"/>
           </a:p>
@@ -1806,7 +1806,7 @@
           <a:p>
             <a:fld id="{5DCD4004-B8B5-430E-A6A1-F83CDF558C83}" type="datetimeFigureOut">
               <a:rPr lang="en-US" smtClean="0"/>
-              <a:t>7/8/2015</a:t>
+              <a:t>7/9/2015</a:t>
             </a:fld>
             <a:endParaRPr lang="en-US"/>
           </a:p>
@@ -1924,7 +1924,7 @@
           <a:p>
             <a:fld id="{5DCD4004-B8B5-430E-A6A1-F83CDF558C83}" type="datetimeFigureOut">
               <a:rPr lang="en-US" smtClean="0"/>
-              <a:t>7/8/2015</a:t>
+              <a:t>7/9/2015</a:t>
             </a:fld>
             <a:endParaRPr lang="en-US"/>
           </a:p>
@@ -2019,7 +2019,7 @@
           <a:p>
             <a:fld id="{5DCD4004-B8B5-430E-A6A1-F83CDF558C83}" type="datetimeFigureOut">
               <a:rPr lang="en-US" smtClean="0"/>
-              <a:t>7/8/2015</a:t>
+              <a:t>7/9/2015</a:t>
             </a:fld>
             <a:endParaRPr lang="en-US"/>
           </a:p>
@@ -2296,7 +2296,7 @@
           <a:p>
             <a:fld id="{5DCD4004-B8B5-430E-A6A1-F83CDF558C83}" type="datetimeFigureOut">
               <a:rPr lang="en-US" smtClean="0"/>
-              <a:t>7/8/2015</a:t>
+              <a:t>7/9/2015</a:t>
             </a:fld>
             <a:endParaRPr lang="en-US"/>
           </a:p>
@@ -2549,7 +2549,7 @@
           <a:p>
             <a:fld id="{5DCD4004-B8B5-430E-A6A1-F83CDF558C83}" type="datetimeFigureOut">
               <a:rPr lang="en-US" smtClean="0"/>
-              <a:t>7/8/2015</a:t>
+              <a:t>7/9/2015</a:t>
             </a:fld>
             <a:endParaRPr lang="en-US"/>
           </a:p>
@@ -2762,7 +2762,7 @@
           <a:p>
             <a:fld id="{5DCD4004-B8B5-430E-A6A1-F83CDF558C83}" type="datetimeFigureOut">
               <a:rPr lang="en-US" smtClean="0"/>
-              <a:t>7/8/2015</a:t>
+              <a:t>7/9/2015</a:t>
             </a:fld>
             <a:endParaRPr lang="en-US"/>
           </a:p>
@@ -3673,8 +3673,8 @@
         </p:nvSpPr>
         <p:spPr>
           <a:xfrm>
-            <a:off x="5410200" y="5715000"/>
-            <a:ext cx="3581400" cy="923330"/>
+            <a:off x="4419600" y="5486400"/>
+            <a:ext cx="4572000" cy="1200329"/>
           </a:xfrm>
           <a:prstGeom prst="rect">
             <a:avLst/>
@@ -3746,7 +3746,7 @@
                 <a:latin typeface="Roboto" panose="02000000000000000000" pitchFamily="2" charset="0"/>
                 <a:ea typeface="Roboto" panose="02000000000000000000" pitchFamily="2" charset="0"/>
               </a:rPr>
-              <a:t>Dicky</a:t>
+              <a:t>Dra</a:t>
             </a:r>
             <a:r>
               <a:rPr lang="en-US" b="1" dirty="0" smtClean="0">
@@ -3756,7 +3756,80 @@
                 <a:latin typeface="Roboto" panose="02000000000000000000" pitchFamily="2" charset="0"/>
                 <a:ea typeface="Roboto" panose="02000000000000000000" pitchFamily="2" charset="0"/>
               </a:rPr>
-              <a:t> Prima Satya, ST., MT.</a:t>
+              <a:t>. </a:t>
+            </a:r>
+            <a:r>
+              <a:rPr lang="en-US" b="1" dirty="0" err="1" smtClean="0">
+                <a:solidFill>
+                  <a:schemeClr val="bg1"/>
+                </a:solidFill>
+                <a:latin typeface="Roboto" panose="02000000000000000000" pitchFamily="2" charset="0"/>
+                <a:ea typeface="Roboto" panose="02000000000000000000" pitchFamily="2" charset="0"/>
+              </a:rPr>
+              <a:t>Harlili</a:t>
+            </a:r>
+            <a:r>
+              <a:rPr lang="en-US" b="1" dirty="0" smtClean="0">
+                <a:solidFill>
+                  <a:schemeClr val="bg1"/>
+                </a:solidFill>
+                <a:latin typeface="Roboto" panose="02000000000000000000" pitchFamily="2" charset="0"/>
+                <a:ea typeface="Roboto" panose="02000000000000000000" pitchFamily="2" charset="0"/>
+              </a:rPr>
+              <a:t> S., MSc.</a:t>
+            </a:r>
+          </a:p>
+          <a:p>
+            <a:pPr algn="r"/>
+            <a:r>
+              <a:rPr lang="en-US" b="1" dirty="0" smtClean="0">
+                <a:solidFill>
+                  <a:schemeClr val="bg1"/>
+                </a:solidFill>
+                <a:latin typeface="Roboto" panose="02000000000000000000" pitchFamily="2" charset="0"/>
+                <a:ea typeface="Roboto" panose="02000000000000000000" pitchFamily="2" charset="0"/>
+              </a:rPr>
+              <a:t>Dr. tech. </a:t>
+            </a:r>
+            <a:r>
+              <a:rPr lang="en-US" b="1" dirty="0" err="1" smtClean="0">
+                <a:solidFill>
+                  <a:schemeClr val="bg1"/>
+                </a:solidFill>
+                <a:latin typeface="Roboto" panose="02000000000000000000" pitchFamily="2" charset="0"/>
+                <a:ea typeface="Roboto" panose="02000000000000000000" pitchFamily="2" charset="0"/>
+              </a:rPr>
+              <a:t>Wikan</a:t>
+            </a:r>
+            <a:r>
+              <a:rPr lang="en-US" b="1" dirty="0" smtClean="0">
+                <a:solidFill>
+                  <a:schemeClr val="bg1"/>
+                </a:solidFill>
+                <a:latin typeface="Roboto" panose="02000000000000000000" pitchFamily="2" charset="0"/>
+                <a:ea typeface="Roboto" panose="02000000000000000000" pitchFamily="2" charset="0"/>
+              </a:rPr>
+              <a:t> D. </a:t>
+            </a:r>
+            <a:r>
+              <a:rPr lang="en-US" b="1" dirty="0" err="1" smtClean="0">
+                <a:solidFill>
+                  <a:schemeClr val="bg1"/>
+                </a:solidFill>
+                <a:latin typeface="Roboto" panose="02000000000000000000" pitchFamily="2" charset="0"/>
+                <a:ea typeface="Roboto" panose="02000000000000000000" pitchFamily="2" charset="0"/>
+              </a:rPr>
+              <a:t>Sunindyo</a:t>
+            </a:r>
+            <a:r>
+              <a:rPr lang="en-US" b="1" dirty="0" smtClean="0">
+                <a:solidFill>
+                  <a:schemeClr val="bg1"/>
+                </a:solidFill>
+                <a:latin typeface="Roboto" panose="02000000000000000000" pitchFamily="2" charset="0"/>
+                <a:ea typeface="Roboto" panose="02000000000000000000" pitchFamily="2" charset="0"/>
+              </a:rPr>
+              <a:t>, ST. MSc.</a:t>
             </a:r>
             <a:endParaRPr lang="en-US" b="1" dirty="0">
               <a:solidFill>
@@ -11917,17 +11990,7 @@
                 <a:latin typeface="Roboto Light" panose="02000000000000000000" pitchFamily="2" charset="0"/>
                 <a:ea typeface="Roboto Light" panose="02000000000000000000" pitchFamily="2" charset="0"/>
               </a:rPr>
-              <a:t>text </a:t>
-            </a:r>
-            <a:r>
-              <a:rPr lang="en-US" sz="2500" i="1" dirty="0" smtClean="0">
-                <a:solidFill>
-                  <a:schemeClr val="bg1"/>
-                </a:solidFill>
-                <a:latin typeface="Roboto Light" panose="02000000000000000000" pitchFamily="2" charset="0"/>
-                <a:ea typeface="Roboto Light" panose="02000000000000000000" pitchFamily="2" charset="0"/>
-              </a:rPr>
-              <a:t>analysis</a:t>
+              <a:t>text analysis</a:t>
             </a:r>
             <a:endParaRPr lang="en-US" sz="2500" i="1" dirty="0" smtClean="0">
               <a:solidFill>
@@ -19782,13 +19845,6 @@
               </a:rPr>
               <a:t>Environment: 70</a:t>
             </a:r>
-            <a:endParaRPr lang="en-US" sz="2300" dirty="0" smtClean="0">
-              <a:solidFill>
-                <a:schemeClr val="bg1"/>
-              </a:solidFill>
-              <a:latin typeface="Roboto Light" panose="02000000000000000000" pitchFamily="2" charset="0"/>
-              <a:ea typeface="Roboto Light" panose="02000000000000000000" pitchFamily="2" charset="0"/>
-            </a:endParaRPr>
           </a:p>
           <a:p>
             <a:endParaRPr lang="en-US" sz="2300" dirty="0">
@@ -26592,7 +26648,7 @@
         <p:spPr>
           <a:xfrm>
             <a:off x="304799" y="4343400"/>
-            <a:ext cx="3744937" cy="1200329"/>
+            <a:ext cx="3744937" cy="923330"/>
           </a:xfrm>
           <a:prstGeom prst="rect">
             <a:avLst/>
@@ -26725,38 +26781,7 @@
               </a:rPr>
               <a:t>aktual</a:t>
             </a:r>
-            <a:r>
-              <a:rPr lang="en-US" dirty="0" smtClean="0">
-                <a:latin typeface="Roboto Light" panose="02000000000000000000" pitchFamily="2" charset="0"/>
-                <a:ea typeface="Roboto Light" panose="02000000000000000000" pitchFamily="2" charset="0"/>
-              </a:rPr>
-              <a:t> </a:t>
-            </a:r>
-          </a:p>
-          <a:p>
-            <a:pPr algn="ctr"/>
-            <a:r>
-              <a:rPr lang="en-US" dirty="0" err="1" smtClean="0">
-                <a:latin typeface="Roboto Light" panose="02000000000000000000" pitchFamily="2" charset="0"/>
-                <a:ea typeface="Roboto Light" panose="02000000000000000000" pitchFamily="2" charset="0"/>
-              </a:rPr>
-              <a:t>dan</a:t>
-            </a:r>
-            <a:r>
-              <a:rPr lang="en-US" dirty="0" smtClean="0">
-                <a:latin typeface="Roboto Light" panose="02000000000000000000" pitchFamily="2" charset="0"/>
-                <a:ea typeface="Roboto Light" panose="02000000000000000000" pitchFamily="2" charset="0"/>
-              </a:rPr>
-              <a:t> </a:t>
-            </a:r>
-            <a:r>
-              <a:rPr lang="en-US" i="1" dirty="0" smtClean="0">
-                <a:latin typeface="Roboto Light" panose="02000000000000000000" pitchFamily="2" charset="0"/>
-                <a:ea typeface="Roboto Light" panose="02000000000000000000" pitchFamily="2" charset="0"/>
-              </a:rPr>
-              <a:t>real-time</a:t>
-            </a:r>
-            <a:endParaRPr lang="en-US" dirty="0">
+            <a:endParaRPr lang="en-US" dirty="0" smtClean="0">
               <a:latin typeface="Roboto Light" panose="02000000000000000000" pitchFamily="2" charset="0"/>
               <a:ea typeface="Roboto Light" panose="02000000000000000000" pitchFamily="2" charset="0"/>
             </a:endParaRPr>
@@ -33269,14 +33294,34 @@
               <a:t> </a:t>
             </a:r>
             <a:r>
-              <a:rPr lang="en-US" sz="2800" dirty="0" err="1">
-                <a:solidFill>
-                  <a:schemeClr val="bg1"/>
-                </a:solidFill>
-                <a:latin typeface="Roboto Light" panose="02000000000000000000" pitchFamily="2" charset="0"/>
-                <a:ea typeface="Roboto Light" panose="02000000000000000000" pitchFamily="2" charset="0"/>
-              </a:rPr>
-              <a:t>oleh</a:t>
+              <a:rPr lang="en-US" sz="2800" dirty="0" err="1" smtClean="0">
+                <a:solidFill>
+                  <a:schemeClr val="bg1"/>
+                </a:solidFill>
+                <a:latin typeface="Roboto Light" panose="02000000000000000000" pitchFamily="2" charset="0"/>
+                <a:ea typeface="Roboto Light" panose="02000000000000000000" pitchFamily="2" charset="0"/>
+              </a:rPr>
+              <a:t>menjadi</a:t>
+            </a:r>
+            <a:r>
+              <a:rPr lang="en-US" sz="2800" dirty="0" smtClean="0">
+                <a:solidFill>
+                  <a:schemeClr val="bg1"/>
+                </a:solidFill>
+                <a:latin typeface="Roboto Light" panose="02000000000000000000" pitchFamily="2" charset="0"/>
+                <a:ea typeface="Roboto Light" panose="02000000000000000000" pitchFamily="2" charset="0"/>
+              </a:rPr>
+              <a:t> </a:t>
+            </a:r>
+            <a:r>
+              <a:rPr lang="en-US" sz="2800" i="1" dirty="0">
+                <a:solidFill>
+                  <a:schemeClr val="bg1"/>
+                </a:solidFill>
+                <a:latin typeface="Roboto Light" panose="02000000000000000000" pitchFamily="2" charset="0"/>
+                <a:ea typeface="Roboto Light" panose="02000000000000000000" pitchFamily="2" charset="0"/>
+              </a:rPr>
+              <a:t>dashboard</a:t>
             </a:r>
             <a:r>
               <a:rPr lang="en-US" sz="2800" dirty="0">
@@ -33289,27 +33334,17 @@
               <a:t> </a:t>
             </a:r>
             <a:r>
-              <a:rPr lang="en-US" sz="2800" i="1" dirty="0">
-                <a:solidFill>
-                  <a:schemeClr val="bg1"/>
-                </a:solidFill>
-                <a:latin typeface="Roboto Light" panose="02000000000000000000" pitchFamily="2" charset="0"/>
-                <a:ea typeface="Roboto Light" panose="02000000000000000000" pitchFamily="2" charset="0"/>
-              </a:rPr>
-              <a:t>dashboard</a:t>
-            </a:r>
-            <a:r>
-              <a:rPr lang="en-US" sz="2800" dirty="0">
-                <a:solidFill>
-                  <a:schemeClr val="bg1"/>
-                </a:solidFill>
-                <a:latin typeface="Roboto Light" panose="02000000000000000000" pitchFamily="2" charset="0"/>
-                <a:ea typeface="Roboto Light" panose="02000000000000000000" pitchFamily="2" charset="0"/>
-              </a:rPr>
-              <a:t> </a:t>
-            </a:r>
-            <a:r>
-              <a:rPr lang="en-US" sz="2800" dirty="0" err="1">
+              <a:rPr lang="en-US" sz="2800" dirty="0" smtClean="0">
+                <a:solidFill>
+                  <a:schemeClr val="bg1"/>
+                </a:solidFill>
+                <a:latin typeface="Roboto Light" panose="02000000000000000000" pitchFamily="2" charset="0"/>
+                <a:ea typeface="Roboto Light" panose="02000000000000000000" pitchFamily="2" charset="0"/>
+              </a:rPr>
+              <a:t> </a:t>
+            </a:r>
+            <a:r>
+              <a:rPr lang="en-US" sz="2800" dirty="0" err="1" smtClean="0">
                 <a:solidFill>
                   <a:schemeClr val="bg1"/>
                 </a:solidFill>
@@ -33319,7 +33354,7 @@
               <a:t>berbasis</a:t>
             </a:r>
             <a:r>
-              <a:rPr lang="en-US" sz="2800" dirty="0">
+              <a:rPr lang="en-US" sz="2800" dirty="0" smtClean="0">
                 <a:solidFill>
                   <a:schemeClr val="bg1"/>
                 </a:solidFill>
@@ -33549,7 +33584,17 @@
               <a:t> </a:t>
             </a:r>
             <a:r>
-              <a:rPr lang="en-US" sz="2800" dirty="0" err="1">
+              <a:rPr lang="en-US" sz="2800" dirty="0" smtClean="0">
+                <a:solidFill>
+                  <a:schemeClr val="bg1"/>
+                </a:solidFill>
+                <a:latin typeface="Roboto Light" panose="02000000000000000000" pitchFamily="2" charset="0"/>
+                <a:ea typeface="Roboto Light" panose="02000000000000000000" pitchFamily="2" charset="0"/>
+              </a:rPr>
+              <a:t> </a:t>
+            </a:r>
+            <a:r>
+              <a:rPr lang="en-US" sz="2800" dirty="0" err="1" smtClean="0">
                 <a:solidFill>
                   <a:schemeClr val="bg1"/>
                 </a:solidFill>
@@ -33559,7 +33604,7 @@
               <a:t>berbasis</a:t>
             </a:r>
             <a:r>
-              <a:rPr lang="en-US" sz="2800" dirty="0">
+              <a:rPr lang="en-US" sz="2800" dirty="0" smtClean="0">
                 <a:solidFill>
                   <a:schemeClr val="bg1"/>
                 </a:solidFill>

--- a/dokumen/Slide Sidang.pptx
+++ b/dokumen/Slide Sidang.pptx
@@ -18,9 +18,9 @@
     <p:sldId id="268" r:id="rId12"/>
     <p:sldId id="269" r:id="rId13"/>
     <p:sldId id="270" r:id="rId14"/>
-    <p:sldId id="274" r:id="rId15"/>
-    <p:sldId id="291" r:id="rId16"/>
-    <p:sldId id="298" r:id="rId17"/>
+    <p:sldId id="298" r:id="rId15"/>
+    <p:sldId id="274" r:id="rId16"/>
+    <p:sldId id="291" r:id="rId17"/>
     <p:sldId id="299" r:id="rId18"/>
     <p:sldId id="300" r:id="rId19"/>
     <p:sldId id="301" r:id="rId20"/>
@@ -330,7 +330,7 @@
           <a:p>
             <a:fld id="{5DCD4004-B8B5-430E-A6A1-F83CDF558C83}" type="datetimeFigureOut">
               <a:rPr lang="en-US" smtClean="0"/>
-              <a:t>7/9/2015</a:t>
+              <a:t>7/10/2015</a:t>
             </a:fld>
             <a:endParaRPr lang="en-US"/>
           </a:p>
@@ -500,7 +500,7 @@
           <a:p>
             <a:fld id="{5DCD4004-B8B5-430E-A6A1-F83CDF558C83}" type="datetimeFigureOut">
               <a:rPr lang="en-US" smtClean="0"/>
-              <a:t>7/9/2015</a:t>
+              <a:t>7/10/2015</a:t>
             </a:fld>
             <a:endParaRPr lang="en-US"/>
           </a:p>
@@ -680,7 +680,7 @@
           <a:p>
             <a:fld id="{5DCD4004-B8B5-430E-A6A1-F83CDF558C83}" type="datetimeFigureOut">
               <a:rPr lang="en-US" smtClean="0"/>
-              <a:t>7/9/2015</a:t>
+              <a:t>7/10/2015</a:t>
             </a:fld>
             <a:endParaRPr lang="en-US"/>
           </a:p>
@@ -850,7 +850,7 @@
           <a:p>
             <a:fld id="{5DCD4004-B8B5-430E-A6A1-F83CDF558C83}" type="datetimeFigureOut">
               <a:rPr lang="en-US" smtClean="0"/>
-              <a:t>7/9/2015</a:t>
+              <a:t>7/10/2015</a:t>
             </a:fld>
             <a:endParaRPr lang="en-US"/>
           </a:p>
@@ -1096,7 +1096,7 @@
           <a:p>
             <a:fld id="{5DCD4004-B8B5-430E-A6A1-F83CDF558C83}" type="datetimeFigureOut">
               <a:rPr lang="en-US" smtClean="0"/>
-              <a:t>7/9/2015</a:t>
+              <a:t>7/10/2015</a:t>
             </a:fld>
             <a:endParaRPr lang="en-US"/>
           </a:p>
@@ -1384,7 +1384,7 @@
           <a:p>
             <a:fld id="{5DCD4004-B8B5-430E-A6A1-F83CDF558C83}" type="datetimeFigureOut">
               <a:rPr lang="en-US" smtClean="0"/>
-              <a:t>7/9/2015</a:t>
+              <a:t>7/10/2015</a:t>
             </a:fld>
             <a:endParaRPr lang="en-US"/>
           </a:p>
@@ -1806,7 +1806,7 @@
           <a:p>
             <a:fld id="{5DCD4004-B8B5-430E-A6A1-F83CDF558C83}" type="datetimeFigureOut">
               <a:rPr lang="en-US" smtClean="0"/>
-              <a:t>7/9/2015</a:t>
+              <a:t>7/10/2015</a:t>
             </a:fld>
             <a:endParaRPr lang="en-US"/>
           </a:p>
@@ -1924,7 +1924,7 @@
           <a:p>
             <a:fld id="{5DCD4004-B8B5-430E-A6A1-F83CDF558C83}" type="datetimeFigureOut">
               <a:rPr lang="en-US" smtClean="0"/>
-              <a:t>7/9/2015</a:t>
+              <a:t>7/10/2015</a:t>
             </a:fld>
             <a:endParaRPr lang="en-US"/>
           </a:p>
@@ -2019,7 +2019,7 @@
           <a:p>
             <a:fld id="{5DCD4004-B8B5-430E-A6A1-F83CDF558C83}" type="datetimeFigureOut">
               <a:rPr lang="en-US" smtClean="0"/>
-              <a:t>7/9/2015</a:t>
+              <a:t>7/10/2015</a:t>
             </a:fld>
             <a:endParaRPr lang="en-US"/>
           </a:p>
@@ -2296,7 +2296,7 @@
           <a:p>
             <a:fld id="{5DCD4004-B8B5-430E-A6A1-F83CDF558C83}" type="datetimeFigureOut">
               <a:rPr lang="en-US" smtClean="0"/>
-              <a:t>7/9/2015</a:t>
+              <a:t>7/10/2015</a:t>
             </a:fld>
             <a:endParaRPr lang="en-US"/>
           </a:p>
@@ -2549,7 +2549,7 @@
           <a:p>
             <a:fld id="{5DCD4004-B8B5-430E-A6A1-F83CDF558C83}" type="datetimeFigureOut">
               <a:rPr lang="en-US" smtClean="0"/>
-              <a:t>7/9/2015</a:t>
+              <a:t>7/10/2015</a:t>
             </a:fld>
             <a:endParaRPr lang="en-US"/>
           </a:p>
@@ -2762,7 +2762,7 @@
           <a:p>
             <a:fld id="{5DCD4004-B8B5-430E-A6A1-F83CDF558C83}" type="datetimeFigureOut">
               <a:rPr lang="en-US" smtClean="0"/>
-              <a:t>7/9/2015</a:t>
+              <a:t>7/10/2015</a:t>
             </a:fld>
             <a:endParaRPr lang="en-US"/>
           </a:p>
@@ -6056,29 +6056,6 @@
             </a:endParaRPr>
           </a:p>
           <a:p>
-            <a:pPr marL="800100" lvl="1" indent="-342900">
-              <a:buFont typeface="+mj-lt"/>
-              <a:buAutoNum type="arabicPeriod"/>
-            </a:pPr>
-            <a:r>
-              <a:rPr lang="en-US" sz="1700" dirty="0" err="1" smtClean="0">
-                <a:solidFill>
-                  <a:schemeClr val="bg1"/>
-                </a:solidFill>
-                <a:latin typeface="Roboto Light" panose="02000000000000000000" pitchFamily="2" charset="0"/>
-                <a:ea typeface="Roboto Light" panose="02000000000000000000" pitchFamily="2" charset="0"/>
-              </a:rPr>
-              <a:t>Variasi</a:t>
-            </a:r>
-            <a:endParaRPr lang="en-US" sz="1700" dirty="0" smtClean="0">
-              <a:solidFill>
-                <a:schemeClr val="bg1"/>
-              </a:solidFill>
-              <a:latin typeface="Roboto Light" panose="02000000000000000000" pitchFamily="2" charset="0"/>
-              <a:ea typeface="Roboto Light" panose="02000000000000000000" pitchFamily="2" charset="0"/>
-            </a:endParaRPr>
-          </a:p>
-          <a:p>
             <a:pPr marL="457200" lvl="1" indent="0" algn="r">
               <a:buNone/>
             </a:pPr>
@@ -6090,7 +6067,17 @@
                 <a:latin typeface="Roboto Light" panose="02000000000000000000" pitchFamily="2" charset="0"/>
                 <a:ea typeface="Roboto Light" panose="02000000000000000000" pitchFamily="2" charset="0"/>
               </a:rPr>
-              <a:t>(Malik, 2005: 17-24)</a:t>
+              <a:t>(</a:t>
+            </a:r>
+            <a:r>
+              <a:rPr lang="en-US" sz="1700" dirty="0" smtClean="0">
+                <a:solidFill>
+                  <a:schemeClr val="bg1"/>
+                </a:solidFill>
+                <a:latin typeface="Roboto Light" panose="02000000000000000000" pitchFamily="2" charset="0"/>
+                <a:ea typeface="Roboto Light" panose="02000000000000000000" pitchFamily="2" charset="0"/>
+              </a:rPr>
+              <a:t>Malik, 2005: 17-24)</a:t>
             </a:r>
           </a:p>
         </p:txBody>
@@ -7365,6 +7352,1358 @@
           <a:chExt cx="0" cy="0"/>
         </a:xfrm>
       </p:grpSpPr>
+      <p:cxnSp>
+        <p:nvCxnSpPr>
+          <p:cNvPr id="11" name="Straight Connector 10"/>
+          <p:cNvCxnSpPr/>
+          <p:nvPr/>
+        </p:nvCxnSpPr>
+        <p:spPr>
+          <a:xfrm>
+            <a:off x="4648200" y="914400"/>
+            <a:ext cx="4876800" cy="0"/>
+          </a:xfrm>
+          <a:prstGeom prst="line">
+            <a:avLst/>
+          </a:prstGeom>
+          <a:ln w="28575">
+            <a:solidFill>
+              <a:schemeClr val="tx1"/>
+            </a:solidFill>
+          </a:ln>
+        </p:spPr>
+        <p:style>
+          <a:lnRef idx="1">
+            <a:schemeClr val="dk1"/>
+          </a:lnRef>
+          <a:fillRef idx="0">
+            <a:schemeClr val="dk1"/>
+          </a:fillRef>
+          <a:effectRef idx="0">
+            <a:schemeClr val="dk1"/>
+          </a:effectRef>
+          <a:fontRef idx="minor">
+            <a:schemeClr val="tx1"/>
+          </a:fontRef>
+        </p:style>
+      </p:cxnSp>
+      <p:sp>
+        <p:nvSpPr>
+          <p:cNvPr id="13" name="Oval 12">
+            <a:hlinkClick r:id="rId2" action="ppaction://hlinksldjump"/>
+          </p:cNvPr>
+          <p:cNvSpPr/>
+          <p:nvPr/>
+        </p:nvSpPr>
+        <p:spPr>
+          <a:xfrm>
+            <a:off x="7620000" y="762000"/>
+            <a:ext cx="304800" cy="304800"/>
+          </a:xfrm>
+          <a:prstGeom prst="ellipse">
+            <a:avLst/>
+          </a:prstGeom>
+          <a:solidFill>
+            <a:schemeClr val="bg1"/>
+          </a:solidFill>
+          <a:ln w="28575">
+            <a:solidFill>
+              <a:schemeClr val="tx1"/>
+            </a:solidFill>
+          </a:ln>
+        </p:spPr>
+        <p:style>
+          <a:lnRef idx="2">
+            <a:schemeClr val="accent1">
+              <a:shade val="50000"/>
+            </a:schemeClr>
+          </a:lnRef>
+          <a:fillRef idx="1">
+            <a:schemeClr val="accent1"/>
+          </a:fillRef>
+          <a:effectRef idx="0">
+            <a:schemeClr val="accent1"/>
+          </a:effectRef>
+          <a:fontRef idx="minor">
+            <a:schemeClr val="lt1"/>
+          </a:fontRef>
+        </p:style>
+        <p:txBody>
+          <a:bodyPr rtlCol="0" anchor="ctr"/>
+          <a:lstStyle/>
+          <a:p>
+            <a:pPr algn="ctr"/>
+            <a:endParaRPr lang="en-US">
+              <a:solidFill>
+                <a:schemeClr val="tx1"/>
+              </a:solidFill>
+            </a:endParaRPr>
+          </a:p>
+        </p:txBody>
+      </p:sp>
+      <p:cxnSp>
+        <p:nvCxnSpPr>
+          <p:cNvPr id="16" name="Straight Connector 15"/>
+          <p:cNvCxnSpPr/>
+          <p:nvPr/>
+        </p:nvCxnSpPr>
+        <p:spPr>
+          <a:xfrm flipV="1">
+            <a:off x="1965960" y="-429768"/>
+            <a:ext cx="0" cy="914400"/>
+          </a:xfrm>
+          <a:prstGeom prst="line">
+            <a:avLst/>
+          </a:prstGeom>
+          <a:ln w="28575">
+            <a:solidFill>
+              <a:schemeClr val="tx1"/>
+            </a:solidFill>
+          </a:ln>
+        </p:spPr>
+        <p:style>
+          <a:lnRef idx="1">
+            <a:schemeClr val="dk1"/>
+          </a:lnRef>
+          <a:fillRef idx="0">
+            <a:schemeClr val="dk1"/>
+          </a:fillRef>
+          <a:effectRef idx="0">
+            <a:schemeClr val="dk1"/>
+          </a:effectRef>
+          <a:fontRef idx="minor">
+            <a:schemeClr val="tx1"/>
+          </a:fontRef>
+        </p:style>
+      </p:cxnSp>
+      <p:sp>
+        <p:nvSpPr>
+          <p:cNvPr id="21" name="TextBox 20"/>
+          <p:cNvSpPr txBox="1"/>
+          <p:nvPr/>
+        </p:nvSpPr>
+        <p:spPr>
+          <a:xfrm>
+            <a:off x="249466" y="1276290"/>
+            <a:ext cx="5229317" cy="400110"/>
+          </a:xfrm>
+          <a:prstGeom prst="rect">
+            <a:avLst/>
+          </a:prstGeom>
+          <a:noFill/>
+        </p:spPr>
+        <p:txBody>
+          <a:bodyPr wrap="none" rtlCol="0">
+            <a:spAutoFit/>
+          </a:bodyPr>
+          <a:lstStyle/>
+          <a:p>
+            <a:r>
+              <a:rPr lang="en-US" sz="2000" u="sng" dirty="0" smtClean="0">
+                <a:latin typeface="Roboto Light" panose="02000000000000000000" pitchFamily="2" charset="0"/>
+                <a:ea typeface="Roboto Light" panose="02000000000000000000" pitchFamily="2" charset="0"/>
+              </a:rPr>
+              <a:t>Key Performance Indicators (KPI) Dashboard</a:t>
+            </a:r>
+            <a:endParaRPr lang="en-US" sz="2000" u="sng" dirty="0">
+              <a:latin typeface="Roboto Light" panose="02000000000000000000" pitchFamily="2" charset="0"/>
+              <a:ea typeface="Roboto Light" panose="02000000000000000000" pitchFamily="2" charset="0"/>
+            </a:endParaRPr>
+          </a:p>
+        </p:txBody>
+      </p:sp>
+      <p:sp>
+        <p:nvSpPr>
+          <p:cNvPr id="23" name="Title 1"/>
+          <p:cNvSpPr>
+            <a:spLocks noGrp="1"/>
+          </p:cNvSpPr>
+          <p:nvPr>
+            <p:ph type="title"/>
+          </p:nvPr>
+        </p:nvSpPr>
+        <p:spPr>
+          <a:xfrm>
+            <a:off x="228600" y="228600"/>
+            <a:ext cx="4343400" cy="1143000"/>
+          </a:xfrm>
+          <a:ln>
+            <a:noFill/>
+          </a:ln>
+        </p:spPr>
+        <p:txBody>
+          <a:bodyPr>
+            <a:normAutofit/>
+          </a:bodyPr>
+          <a:lstStyle/>
+          <a:p>
+            <a:pPr algn="l"/>
+            <a:r>
+              <a:rPr lang="en-US" sz="6000" dirty="0" err="1" smtClean="0">
+                <a:latin typeface="Dense" pitchFamily="50" charset="0"/>
+              </a:rPr>
+              <a:t>Rancangan</a:t>
+            </a:r>
+            <a:r>
+              <a:rPr lang="en-US" sz="6000" dirty="0" smtClean="0">
+                <a:latin typeface="Dense" pitchFamily="50" charset="0"/>
+              </a:rPr>
+              <a:t> Dashboard</a:t>
+            </a:r>
+            <a:endParaRPr lang="en-US" sz="6000" dirty="0">
+              <a:latin typeface="Dense" pitchFamily="50" charset="0"/>
+            </a:endParaRPr>
+          </a:p>
+        </p:txBody>
+      </p:sp>
+      <p:graphicFrame>
+        <p:nvGraphicFramePr>
+          <p:cNvPr id="2" name="Table 1"/>
+          <p:cNvGraphicFramePr>
+            <a:graphicFrameLocks noGrp="1"/>
+          </p:cNvGraphicFramePr>
+          <p:nvPr>
+            <p:extLst>
+              <p:ext uri="{D42A27DB-BD31-4B8C-83A1-F6EECF244321}">
+                <p14:modId xmlns:p14="http://schemas.microsoft.com/office/powerpoint/2010/main" val="779671568"/>
+              </p:ext>
+            </p:extLst>
+          </p:nvPr>
+        </p:nvGraphicFramePr>
+        <p:xfrm>
+          <a:off x="381000" y="1981200"/>
+          <a:ext cx="8382000" cy="4495800"/>
+        </p:xfrm>
+        <a:graphic>
+          <a:graphicData uri="http://schemas.openxmlformats.org/drawingml/2006/table">
+            <a:tbl>
+              <a:tblPr firstRow="1" firstCol="1" bandRow="1">
+                <a:tableStyleId>{17292A2E-F333-43FB-9621-5CBBE7FDCDCB}</a:tableStyleId>
+              </a:tblPr>
+              <a:tblGrid>
+                <a:gridCol w="601457"/>
+                <a:gridCol w="2024870"/>
+                <a:gridCol w="1732510"/>
+                <a:gridCol w="2037668"/>
+                <a:gridCol w="1985495"/>
+              </a:tblGrid>
+              <a:tr h="449580">
+                <a:tc>
+                  <a:txBody>
+                    <a:bodyPr/>
+                    <a:lstStyle/>
+                    <a:p>
+                      <a:pPr marL="0" marR="0" algn="ctr">
+                        <a:spcBef>
+                          <a:spcPts val="0"/>
+                        </a:spcBef>
+                        <a:spcAft>
+                          <a:spcPts val="0"/>
+                        </a:spcAft>
+                      </a:pPr>
+                      <a:r>
+                        <a:rPr lang="en-US" sz="2000" dirty="0">
+                          <a:effectLst/>
+                        </a:rPr>
+                        <a:t>No.</a:t>
+                      </a:r>
+                      <a:endParaRPr lang="en-US" sz="2000" dirty="0">
+                        <a:effectLst/>
+                        <a:latin typeface="Calibri"/>
+                        <a:ea typeface="Calibri"/>
+                        <a:cs typeface="Times New Roman"/>
+                      </a:endParaRPr>
+                    </a:p>
+                  </a:txBody>
+                  <a:tcPr marL="68580" marR="68580" marT="0" marB="0"/>
+                </a:tc>
+                <a:tc>
+                  <a:txBody>
+                    <a:bodyPr/>
+                    <a:lstStyle/>
+                    <a:p>
+                      <a:pPr marL="0" marR="0" algn="ctr">
+                        <a:spcBef>
+                          <a:spcPts val="0"/>
+                        </a:spcBef>
+                        <a:spcAft>
+                          <a:spcPts val="0"/>
+                        </a:spcAft>
+                      </a:pPr>
+                      <a:r>
+                        <a:rPr lang="en-US" sz="2000">
+                          <a:effectLst/>
+                        </a:rPr>
+                        <a:t>KPI</a:t>
+                      </a:r>
+                      <a:endParaRPr lang="en-US" sz="2000">
+                        <a:effectLst/>
+                        <a:latin typeface="Calibri"/>
+                        <a:ea typeface="Calibri"/>
+                        <a:cs typeface="Times New Roman"/>
+                      </a:endParaRPr>
+                    </a:p>
+                  </a:txBody>
+                  <a:tcPr marL="68580" marR="68580" marT="0" marB="0"/>
+                </a:tc>
+                <a:tc>
+                  <a:txBody>
+                    <a:bodyPr/>
+                    <a:lstStyle/>
+                    <a:p>
+                      <a:pPr marL="0" marR="0" algn="ctr">
+                        <a:spcBef>
+                          <a:spcPts val="0"/>
+                        </a:spcBef>
+                        <a:spcAft>
+                          <a:spcPts val="0"/>
+                        </a:spcAft>
+                      </a:pPr>
+                      <a:r>
+                        <a:rPr lang="en-US" sz="2000">
+                          <a:effectLst/>
+                        </a:rPr>
+                        <a:t>Produk</a:t>
+                      </a:r>
+                      <a:endParaRPr lang="en-US" sz="2000">
+                        <a:effectLst/>
+                        <a:latin typeface="Calibri"/>
+                        <a:ea typeface="Calibri"/>
+                        <a:cs typeface="Times New Roman"/>
+                      </a:endParaRPr>
+                    </a:p>
+                  </a:txBody>
+                  <a:tcPr marL="68580" marR="68580" marT="0" marB="0"/>
+                </a:tc>
+                <a:tc>
+                  <a:txBody>
+                    <a:bodyPr/>
+                    <a:lstStyle/>
+                    <a:p>
+                      <a:pPr marL="0" marR="0" algn="ctr">
+                        <a:spcBef>
+                          <a:spcPts val="0"/>
+                        </a:spcBef>
+                        <a:spcAft>
+                          <a:spcPts val="0"/>
+                        </a:spcAft>
+                      </a:pPr>
+                      <a:r>
+                        <a:rPr lang="en-US" sz="2000">
+                          <a:effectLst/>
+                        </a:rPr>
+                        <a:t>Geografi</a:t>
+                      </a:r>
+                      <a:endParaRPr lang="en-US" sz="2000">
+                        <a:effectLst/>
+                        <a:latin typeface="Calibri"/>
+                        <a:ea typeface="Calibri"/>
+                        <a:cs typeface="Times New Roman"/>
+                      </a:endParaRPr>
+                    </a:p>
+                  </a:txBody>
+                  <a:tcPr marL="68580" marR="68580" marT="0" marB="0"/>
+                </a:tc>
+                <a:tc>
+                  <a:txBody>
+                    <a:bodyPr/>
+                    <a:lstStyle/>
+                    <a:p>
+                      <a:pPr marL="0" marR="0" algn="ctr">
+                        <a:spcBef>
+                          <a:spcPts val="0"/>
+                        </a:spcBef>
+                        <a:spcAft>
+                          <a:spcPts val="0"/>
+                        </a:spcAft>
+                      </a:pPr>
+                      <a:r>
+                        <a:rPr lang="en-US" sz="2000">
+                          <a:effectLst/>
+                        </a:rPr>
+                        <a:t>Waktu</a:t>
+                      </a:r>
+                      <a:endParaRPr lang="en-US" sz="2000">
+                        <a:effectLst/>
+                        <a:latin typeface="Calibri"/>
+                        <a:ea typeface="Calibri"/>
+                        <a:cs typeface="Times New Roman"/>
+                      </a:endParaRPr>
+                    </a:p>
+                  </a:txBody>
+                  <a:tcPr marL="68580" marR="68580" marT="0" marB="0"/>
+                </a:tc>
+              </a:tr>
+              <a:tr h="674370">
+                <a:tc>
+                  <a:txBody>
+                    <a:bodyPr/>
+                    <a:lstStyle/>
+                    <a:p>
+                      <a:pPr marL="0" marR="0">
+                        <a:spcBef>
+                          <a:spcPts val="0"/>
+                        </a:spcBef>
+                        <a:spcAft>
+                          <a:spcPts val="0"/>
+                        </a:spcAft>
+                      </a:pPr>
+                      <a:r>
+                        <a:rPr lang="en-US" sz="2000">
+                          <a:effectLst/>
+                        </a:rPr>
+                        <a:t>1</a:t>
+                      </a:r>
+                      <a:endParaRPr lang="en-US" sz="2000">
+                        <a:effectLst/>
+                        <a:latin typeface="Calibri"/>
+                        <a:ea typeface="Calibri"/>
+                        <a:cs typeface="Times New Roman"/>
+                      </a:endParaRPr>
+                    </a:p>
+                  </a:txBody>
+                  <a:tcPr marL="68580" marR="68580" marT="0" marB="0"/>
+                </a:tc>
+                <a:tc>
+                  <a:txBody>
+                    <a:bodyPr/>
+                    <a:lstStyle/>
+                    <a:p>
+                      <a:pPr marL="0" marR="0">
+                        <a:spcBef>
+                          <a:spcPts val="0"/>
+                        </a:spcBef>
+                        <a:spcAft>
+                          <a:spcPts val="0"/>
+                        </a:spcAft>
+                      </a:pPr>
+                      <a:r>
+                        <a:rPr lang="en-US" sz="2000">
+                          <a:effectLst/>
+                        </a:rPr>
+                        <a:t>Politic</a:t>
+                      </a:r>
+                      <a:endParaRPr lang="en-US" sz="2000">
+                        <a:effectLst/>
+                        <a:latin typeface="Calibri"/>
+                        <a:ea typeface="Calibri"/>
+                        <a:cs typeface="Times New Roman"/>
+                      </a:endParaRPr>
+                    </a:p>
+                  </a:txBody>
+                  <a:tcPr marL="68580" marR="68580" marT="0" marB="0"/>
+                </a:tc>
+                <a:tc>
+                  <a:txBody>
+                    <a:bodyPr/>
+                    <a:lstStyle/>
+                    <a:p>
+                      <a:pPr marL="0" marR="0">
+                        <a:spcBef>
+                          <a:spcPts val="0"/>
+                        </a:spcBef>
+                        <a:spcAft>
+                          <a:spcPts val="0"/>
+                        </a:spcAft>
+                      </a:pPr>
+                      <a:r>
+                        <a:rPr lang="en-US" sz="2000">
+                          <a:effectLst/>
+                        </a:rPr>
+                        <a:t>Nilai sentimen, Kata kunci</a:t>
+                      </a:r>
+                      <a:endParaRPr lang="en-US" sz="2000">
+                        <a:effectLst/>
+                        <a:latin typeface="Calibri"/>
+                        <a:ea typeface="Calibri"/>
+                        <a:cs typeface="Times New Roman"/>
+                      </a:endParaRPr>
+                    </a:p>
+                  </a:txBody>
+                  <a:tcPr marL="68580" marR="68580" marT="0" marB="0"/>
+                </a:tc>
+                <a:tc>
+                  <a:txBody>
+                    <a:bodyPr/>
+                    <a:lstStyle/>
+                    <a:p>
+                      <a:pPr marL="0" marR="0">
+                        <a:spcBef>
+                          <a:spcPts val="0"/>
+                        </a:spcBef>
+                        <a:spcAft>
+                          <a:spcPts val="0"/>
+                        </a:spcAft>
+                      </a:pPr>
+                      <a:r>
+                        <a:rPr lang="en-US" sz="2000">
+                          <a:effectLst/>
+                        </a:rPr>
+                        <a:t>Negara/Regional</a:t>
+                      </a:r>
+                      <a:endParaRPr lang="en-US" sz="2000">
+                        <a:effectLst/>
+                        <a:latin typeface="Calibri"/>
+                        <a:ea typeface="Calibri"/>
+                        <a:cs typeface="Times New Roman"/>
+                      </a:endParaRPr>
+                    </a:p>
+                  </a:txBody>
+                  <a:tcPr marL="68580" marR="68580" marT="0" marB="0"/>
+                </a:tc>
+                <a:tc>
+                  <a:txBody>
+                    <a:bodyPr/>
+                    <a:lstStyle/>
+                    <a:p>
+                      <a:pPr marL="0" marR="0">
+                        <a:spcBef>
+                          <a:spcPts val="0"/>
+                        </a:spcBef>
+                        <a:spcAft>
+                          <a:spcPts val="0"/>
+                        </a:spcAft>
+                      </a:pPr>
+                      <a:r>
+                        <a:rPr lang="en-US" sz="2000">
+                          <a:effectLst/>
+                        </a:rPr>
+                        <a:t>Bulan/Tahun</a:t>
+                      </a:r>
+                      <a:endParaRPr lang="en-US" sz="2000">
+                        <a:effectLst/>
+                        <a:latin typeface="Calibri"/>
+                        <a:ea typeface="Calibri"/>
+                        <a:cs typeface="Times New Roman"/>
+                      </a:endParaRPr>
+                    </a:p>
+                  </a:txBody>
+                  <a:tcPr marL="68580" marR="68580" marT="0" marB="0"/>
+                </a:tc>
+              </a:tr>
+              <a:tr h="674370">
+                <a:tc>
+                  <a:txBody>
+                    <a:bodyPr/>
+                    <a:lstStyle/>
+                    <a:p>
+                      <a:pPr marL="0" marR="0">
+                        <a:spcBef>
+                          <a:spcPts val="0"/>
+                        </a:spcBef>
+                        <a:spcAft>
+                          <a:spcPts val="0"/>
+                        </a:spcAft>
+                      </a:pPr>
+                      <a:r>
+                        <a:rPr lang="en-US" sz="2000">
+                          <a:effectLst/>
+                        </a:rPr>
+                        <a:t>2</a:t>
+                      </a:r>
+                      <a:endParaRPr lang="en-US" sz="2000">
+                        <a:effectLst/>
+                        <a:latin typeface="Calibri"/>
+                        <a:ea typeface="Calibri"/>
+                        <a:cs typeface="Times New Roman"/>
+                      </a:endParaRPr>
+                    </a:p>
+                  </a:txBody>
+                  <a:tcPr marL="68580" marR="68580" marT="0" marB="0"/>
+                </a:tc>
+                <a:tc>
+                  <a:txBody>
+                    <a:bodyPr/>
+                    <a:lstStyle/>
+                    <a:p>
+                      <a:pPr marL="0" marR="0">
+                        <a:spcBef>
+                          <a:spcPts val="0"/>
+                        </a:spcBef>
+                        <a:spcAft>
+                          <a:spcPts val="0"/>
+                        </a:spcAft>
+                      </a:pPr>
+                      <a:r>
+                        <a:rPr lang="en-US" sz="2000">
+                          <a:effectLst/>
+                        </a:rPr>
+                        <a:t>Economy</a:t>
+                      </a:r>
+                      <a:endParaRPr lang="en-US" sz="2000">
+                        <a:effectLst/>
+                        <a:latin typeface="Calibri"/>
+                        <a:ea typeface="Calibri"/>
+                        <a:cs typeface="Times New Roman"/>
+                      </a:endParaRPr>
+                    </a:p>
+                  </a:txBody>
+                  <a:tcPr marL="68580" marR="68580" marT="0" marB="0"/>
+                </a:tc>
+                <a:tc>
+                  <a:txBody>
+                    <a:bodyPr/>
+                    <a:lstStyle/>
+                    <a:p>
+                      <a:pPr marL="0" marR="0">
+                        <a:spcBef>
+                          <a:spcPts val="0"/>
+                        </a:spcBef>
+                        <a:spcAft>
+                          <a:spcPts val="0"/>
+                        </a:spcAft>
+                      </a:pPr>
+                      <a:r>
+                        <a:rPr lang="en-US" sz="2000" dirty="0" err="1">
+                          <a:effectLst/>
+                        </a:rPr>
+                        <a:t>Nilai</a:t>
+                      </a:r>
+                      <a:r>
+                        <a:rPr lang="en-US" sz="2000" dirty="0">
+                          <a:effectLst/>
+                        </a:rPr>
+                        <a:t> </a:t>
+                      </a:r>
+                      <a:r>
+                        <a:rPr lang="en-US" sz="2000" dirty="0" err="1">
+                          <a:effectLst/>
+                        </a:rPr>
+                        <a:t>sentimen</a:t>
+                      </a:r>
+                      <a:r>
+                        <a:rPr lang="en-US" sz="2000" dirty="0">
+                          <a:effectLst/>
+                        </a:rPr>
+                        <a:t>, Kata </a:t>
+                      </a:r>
+                      <a:r>
+                        <a:rPr lang="en-US" sz="2000" dirty="0" err="1">
+                          <a:effectLst/>
+                        </a:rPr>
+                        <a:t>kunci</a:t>
+                      </a:r>
+                      <a:endParaRPr lang="en-US" sz="2000" dirty="0">
+                        <a:effectLst/>
+                        <a:latin typeface="Calibri"/>
+                        <a:ea typeface="Calibri"/>
+                        <a:cs typeface="Times New Roman"/>
+                      </a:endParaRPr>
+                    </a:p>
+                  </a:txBody>
+                  <a:tcPr marL="68580" marR="68580" marT="0" marB="0"/>
+                </a:tc>
+                <a:tc>
+                  <a:txBody>
+                    <a:bodyPr/>
+                    <a:lstStyle/>
+                    <a:p>
+                      <a:pPr marL="0" marR="0">
+                        <a:spcBef>
+                          <a:spcPts val="0"/>
+                        </a:spcBef>
+                        <a:spcAft>
+                          <a:spcPts val="0"/>
+                        </a:spcAft>
+                      </a:pPr>
+                      <a:r>
+                        <a:rPr lang="en-US" sz="2000">
+                          <a:effectLst/>
+                        </a:rPr>
+                        <a:t>Negara/Regional</a:t>
+                      </a:r>
+                      <a:endParaRPr lang="en-US" sz="2000">
+                        <a:effectLst/>
+                        <a:latin typeface="Calibri"/>
+                        <a:ea typeface="Calibri"/>
+                        <a:cs typeface="Times New Roman"/>
+                      </a:endParaRPr>
+                    </a:p>
+                  </a:txBody>
+                  <a:tcPr marL="68580" marR="68580" marT="0" marB="0"/>
+                </a:tc>
+                <a:tc>
+                  <a:txBody>
+                    <a:bodyPr/>
+                    <a:lstStyle/>
+                    <a:p>
+                      <a:pPr marL="0" marR="0">
+                        <a:spcBef>
+                          <a:spcPts val="0"/>
+                        </a:spcBef>
+                        <a:spcAft>
+                          <a:spcPts val="0"/>
+                        </a:spcAft>
+                      </a:pPr>
+                      <a:r>
+                        <a:rPr lang="en-US" sz="2000">
+                          <a:effectLst/>
+                        </a:rPr>
+                        <a:t>Bulan/Tahun</a:t>
+                      </a:r>
+                      <a:endParaRPr lang="en-US" sz="2000">
+                        <a:effectLst/>
+                        <a:latin typeface="Calibri"/>
+                        <a:ea typeface="Calibri"/>
+                        <a:cs typeface="Times New Roman"/>
+                      </a:endParaRPr>
+                    </a:p>
+                  </a:txBody>
+                  <a:tcPr marL="68580" marR="68580" marT="0" marB="0"/>
+                </a:tc>
+              </a:tr>
+              <a:tr h="674370">
+                <a:tc>
+                  <a:txBody>
+                    <a:bodyPr/>
+                    <a:lstStyle/>
+                    <a:p>
+                      <a:pPr marL="0" marR="0">
+                        <a:spcBef>
+                          <a:spcPts val="0"/>
+                        </a:spcBef>
+                        <a:spcAft>
+                          <a:spcPts val="0"/>
+                        </a:spcAft>
+                      </a:pPr>
+                      <a:r>
+                        <a:rPr lang="en-US" sz="2000">
+                          <a:effectLst/>
+                        </a:rPr>
+                        <a:t>3</a:t>
+                      </a:r>
+                      <a:endParaRPr lang="en-US" sz="2000">
+                        <a:effectLst/>
+                        <a:latin typeface="Calibri"/>
+                        <a:ea typeface="Calibri"/>
+                        <a:cs typeface="Times New Roman"/>
+                      </a:endParaRPr>
+                    </a:p>
+                  </a:txBody>
+                  <a:tcPr marL="68580" marR="68580" marT="0" marB="0"/>
+                </a:tc>
+                <a:tc>
+                  <a:txBody>
+                    <a:bodyPr/>
+                    <a:lstStyle/>
+                    <a:p>
+                      <a:pPr marL="0" marR="0">
+                        <a:spcBef>
+                          <a:spcPts val="0"/>
+                        </a:spcBef>
+                        <a:spcAft>
+                          <a:spcPts val="0"/>
+                        </a:spcAft>
+                      </a:pPr>
+                      <a:r>
+                        <a:rPr lang="en-US" sz="2000">
+                          <a:effectLst/>
+                        </a:rPr>
+                        <a:t>Social</a:t>
+                      </a:r>
+                      <a:endParaRPr lang="en-US" sz="2000">
+                        <a:effectLst/>
+                        <a:latin typeface="Calibri"/>
+                        <a:ea typeface="Calibri"/>
+                        <a:cs typeface="Times New Roman"/>
+                      </a:endParaRPr>
+                    </a:p>
+                  </a:txBody>
+                  <a:tcPr marL="68580" marR="68580" marT="0" marB="0"/>
+                </a:tc>
+                <a:tc>
+                  <a:txBody>
+                    <a:bodyPr/>
+                    <a:lstStyle/>
+                    <a:p>
+                      <a:pPr marL="0" marR="0">
+                        <a:spcBef>
+                          <a:spcPts val="0"/>
+                        </a:spcBef>
+                        <a:spcAft>
+                          <a:spcPts val="0"/>
+                        </a:spcAft>
+                      </a:pPr>
+                      <a:r>
+                        <a:rPr lang="en-US" sz="2000">
+                          <a:effectLst/>
+                        </a:rPr>
+                        <a:t>Nilai sentimen, Kata kunci</a:t>
+                      </a:r>
+                      <a:endParaRPr lang="en-US" sz="2000">
+                        <a:effectLst/>
+                        <a:latin typeface="Calibri"/>
+                        <a:ea typeface="Calibri"/>
+                        <a:cs typeface="Times New Roman"/>
+                      </a:endParaRPr>
+                    </a:p>
+                  </a:txBody>
+                  <a:tcPr marL="68580" marR="68580" marT="0" marB="0"/>
+                </a:tc>
+                <a:tc>
+                  <a:txBody>
+                    <a:bodyPr/>
+                    <a:lstStyle/>
+                    <a:p>
+                      <a:pPr marL="0" marR="0">
+                        <a:spcBef>
+                          <a:spcPts val="0"/>
+                        </a:spcBef>
+                        <a:spcAft>
+                          <a:spcPts val="0"/>
+                        </a:spcAft>
+                      </a:pPr>
+                      <a:r>
+                        <a:rPr lang="en-US" sz="2000">
+                          <a:effectLst/>
+                        </a:rPr>
+                        <a:t>Negara/Regional</a:t>
+                      </a:r>
+                      <a:endParaRPr lang="en-US" sz="2000">
+                        <a:effectLst/>
+                        <a:latin typeface="Calibri"/>
+                        <a:ea typeface="Calibri"/>
+                        <a:cs typeface="Times New Roman"/>
+                      </a:endParaRPr>
+                    </a:p>
+                  </a:txBody>
+                  <a:tcPr marL="68580" marR="68580" marT="0" marB="0"/>
+                </a:tc>
+                <a:tc>
+                  <a:txBody>
+                    <a:bodyPr/>
+                    <a:lstStyle/>
+                    <a:p>
+                      <a:pPr marL="0" marR="0">
+                        <a:spcBef>
+                          <a:spcPts val="0"/>
+                        </a:spcBef>
+                        <a:spcAft>
+                          <a:spcPts val="0"/>
+                        </a:spcAft>
+                      </a:pPr>
+                      <a:r>
+                        <a:rPr lang="en-US" sz="2000">
+                          <a:effectLst/>
+                        </a:rPr>
+                        <a:t>Bulan/Tahun</a:t>
+                      </a:r>
+                      <a:endParaRPr lang="en-US" sz="2000">
+                        <a:effectLst/>
+                        <a:latin typeface="Calibri"/>
+                        <a:ea typeface="Calibri"/>
+                        <a:cs typeface="Times New Roman"/>
+                      </a:endParaRPr>
+                    </a:p>
+                  </a:txBody>
+                  <a:tcPr marL="68580" marR="68580" marT="0" marB="0"/>
+                </a:tc>
+              </a:tr>
+              <a:tr h="674370">
+                <a:tc>
+                  <a:txBody>
+                    <a:bodyPr/>
+                    <a:lstStyle/>
+                    <a:p>
+                      <a:pPr marL="0" marR="0">
+                        <a:spcBef>
+                          <a:spcPts val="0"/>
+                        </a:spcBef>
+                        <a:spcAft>
+                          <a:spcPts val="0"/>
+                        </a:spcAft>
+                      </a:pPr>
+                      <a:r>
+                        <a:rPr lang="en-US" sz="2000">
+                          <a:effectLst/>
+                        </a:rPr>
+                        <a:t>4</a:t>
+                      </a:r>
+                      <a:endParaRPr lang="en-US" sz="2000">
+                        <a:effectLst/>
+                        <a:latin typeface="Calibri"/>
+                        <a:ea typeface="Calibri"/>
+                        <a:cs typeface="Times New Roman"/>
+                      </a:endParaRPr>
+                    </a:p>
+                  </a:txBody>
+                  <a:tcPr marL="68580" marR="68580" marT="0" marB="0"/>
+                </a:tc>
+                <a:tc>
+                  <a:txBody>
+                    <a:bodyPr/>
+                    <a:lstStyle/>
+                    <a:p>
+                      <a:pPr marL="0" marR="0">
+                        <a:spcBef>
+                          <a:spcPts val="0"/>
+                        </a:spcBef>
+                        <a:spcAft>
+                          <a:spcPts val="0"/>
+                        </a:spcAft>
+                      </a:pPr>
+                      <a:r>
+                        <a:rPr lang="en-US" sz="2000">
+                          <a:effectLst/>
+                        </a:rPr>
+                        <a:t>Technology</a:t>
+                      </a:r>
+                      <a:endParaRPr lang="en-US" sz="2000">
+                        <a:effectLst/>
+                        <a:latin typeface="Calibri"/>
+                        <a:ea typeface="Calibri"/>
+                        <a:cs typeface="Times New Roman"/>
+                      </a:endParaRPr>
+                    </a:p>
+                  </a:txBody>
+                  <a:tcPr marL="68580" marR="68580" marT="0" marB="0"/>
+                </a:tc>
+                <a:tc>
+                  <a:txBody>
+                    <a:bodyPr/>
+                    <a:lstStyle/>
+                    <a:p>
+                      <a:pPr marL="0" marR="0">
+                        <a:spcBef>
+                          <a:spcPts val="0"/>
+                        </a:spcBef>
+                        <a:spcAft>
+                          <a:spcPts val="0"/>
+                        </a:spcAft>
+                      </a:pPr>
+                      <a:r>
+                        <a:rPr lang="en-US" sz="2000">
+                          <a:effectLst/>
+                        </a:rPr>
+                        <a:t>Nilai sentimen, Kata kunci</a:t>
+                      </a:r>
+                      <a:endParaRPr lang="en-US" sz="2000">
+                        <a:effectLst/>
+                        <a:latin typeface="Calibri"/>
+                        <a:ea typeface="Calibri"/>
+                        <a:cs typeface="Times New Roman"/>
+                      </a:endParaRPr>
+                    </a:p>
+                  </a:txBody>
+                  <a:tcPr marL="68580" marR="68580" marT="0" marB="0"/>
+                </a:tc>
+                <a:tc>
+                  <a:txBody>
+                    <a:bodyPr/>
+                    <a:lstStyle/>
+                    <a:p>
+                      <a:pPr marL="0" marR="0">
+                        <a:spcBef>
+                          <a:spcPts val="0"/>
+                        </a:spcBef>
+                        <a:spcAft>
+                          <a:spcPts val="0"/>
+                        </a:spcAft>
+                      </a:pPr>
+                      <a:r>
+                        <a:rPr lang="en-US" sz="2000">
+                          <a:effectLst/>
+                        </a:rPr>
+                        <a:t>Negara/Regional</a:t>
+                      </a:r>
+                      <a:endParaRPr lang="en-US" sz="2000">
+                        <a:effectLst/>
+                        <a:latin typeface="Calibri"/>
+                        <a:ea typeface="Calibri"/>
+                        <a:cs typeface="Times New Roman"/>
+                      </a:endParaRPr>
+                    </a:p>
+                  </a:txBody>
+                  <a:tcPr marL="68580" marR="68580" marT="0" marB="0"/>
+                </a:tc>
+                <a:tc>
+                  <a:txBody>
+                    <a:bodyPr/>
+                    <a:lstStyle/>
+                    <a:p>
+                      <a:pPr marL="0" marR="0">
+                        <a:spcBef>
+                          <a:spcPts val="0"/>
+                        </a:spcBef>
+                        <a:spcAft>
+                          <a:spcPts val="0"/>
+                        </a:spcAft>
+                      </a:pPr>
+                      <a:r>
+                        <a:rPr lang="en-US" sz="2000">
+                          <a:effectLst/>
+                        </a:rPr>
+                        <a:t>Bulan/Tahun</a:t>
+                      </a:r>
+                      <a:endParaRPr lang="en-US" sz="2000">
+                        <a:effectLst/>
+                        <a:latin typeface="Calibri"/>
+                        <a:ea typeface="Calibri"/>
+                        <a:cs typeface="Times New Roman"/>
+                      </a:endParaRPr>
+                    </a:p>
+                  </a:txBody>
+                  <a:tcPr marL="68580" marR="68580" marT="0" marB="0"/>
+                </a:tc>
+              </a:tr>
+              <a:tr h="674370">
+                <a:tc>
+                  <a:txBody>
+                    <a:bodyPr/>
+                    <a:lstStyle/>
+                    <a:p>
+                      <a:pPr marL="0" marR="0">
+                        <a:spcBef>
+                          <a:spcPts val="0"/>
+                        </a:spcBef>
+                        <a:spcAft>
+                          <a:spcPts val="0"/>
+                        </a:spcAft>
+                      </a:pPr>
+                      <a:r>
+                        <a:rPr lang="en-US" sz="2000">
+                          <a:effectLst/>
+                        </a:rPr>
+                        <a:t>5</a:t>
+                      </a:r>
+                      <a:endParaRPr lang="en-US" sz="2000">
+                        <a:effectLst/>
+                        <a:latin typeface="Calibri"/>
+                        <a:ea typeface="Calibri"/>
+                        <a:cs typeface="Times New Roman"/>
+                      </a:endParaRPr>
+                    </a:p>
+                  </a:txBody>
+                  <a:tcPr marL="68580" marR="68580" marT="0" marB="0"/>
+                </a:tc>
+                <a:tc>
+                  <a:txBody>
+                    <a:bodyPr/>
+                    <a:lstStyle/>
+                    <a:p>
+                      <a:pPr marL="0" marR="0">
+                        <a:spcBef>
+                          <a:spcPts val="0"/>
+                        </a:spcBef>
+                        <a:spcAft>
+                          <a:spcPts val="0"/>
+                        </a:spcAft>
+                      </a:pPr>
+                      <a:r>
+                        <a:rPr lang="en-US" sz="2000">
+                          <a:effectLst/>
+                        </a:rPr>
+                        <a:t>Legal</a:t>
+                      </a:r>
+                      <a:endParaRPr lang="en-US" sz="2000">
+                        <a:effectLst/>
+                        <a:latin typeface="Calibri"/>
+                        <a:ea typeface="Calibri"/>
+                        <a:cs typeface="Times New Roman"/>
+                      </a:endParaRPr>
+                    </a:p>
+                  </a:txBody>
+                  <a:tcPr marL="68580" marR="68580" marT="0" marB="0"/>
+                </a:tc>
+                <a:tc>
+                  <a:txBody>
+                    <a:bodyPr/>
+                    <a:lstStyle/>
+                    <a:p>
+                      <a:pPr marL="0" marR="0">
+                        <a:spcBef>
+                          <a:spcPts val="0"/>
+                        </a:spcBef>
+                        <a:spcAft>
+                          <a:spcPts val="0"/>
+                        </a:spcAft>
+                      </a:pPr>
+                      <a:r>
+                        <a:rPr lang="en-US" sz="2000">
+                          <a:effectLst/>
+                        </a:rPr>
+                        <a:t>Nilai sentimen, Kata kunci</a:t>
+                      </a:r>
+                      <a:endParaRPr lang="en-US" sz="2000">
+                        <a:effectLst/>
+                        <a:latin typeface="Calibri"/>
+                        <a:ea typeface="Calibri"/>
+                        <a:cs typeface="Times New Roman"/>
+                      </a:endParaRPr>
+                    </a:p>
+                  </a:txBody>
+                  <a:tcPr marL="68580" marR="68580" marT="0" marB="0"/>
+                </a:tc>
+                <a:tc>
+                  <a:txBody>
+                    <a:bodyPr/>
+                    <a:lstStyle/>
+                    <a:p>
+                      <a:pPr marL="0" marR="0">
+                        <a:spcBef>
+                          <a:spcPts val="0"/>
+                        </a:spcBef>
+                        <a:spcAft>
+                          <a:spcPts val="0"/>
+                        </a:spcAft>
+                      </a:pPr>
+                      <a:r>
+                        <a:rPr lang="en-US" sz="2000">
+                          <a:effectLst/>
+                        </a:rPr>
+                        <a:t>Negara/Regional</a:t>
+                      </a:r>
+                      <a:endParaRPr lang="en-US" sz="2000">
+                        <a:effectLst/>
+                        <a:latin typeface="Calibri"/>
+                        <a:ea typeface="Calibri"/>
+                        <a:cs typeface="Times New Roman"/>
+                      </a:endParaRPr>
+                    </a:p>
+                  </a:txBody>
+                  <a:tcPr marL="68580" marR="68580" marT="0" marB="0"/>
+                </a:tc>
+                <a:tc>
+                  <a:txBody>
+                    <a:bodyPr/>
+                    <a:lstStyle/>
+                    <a:p>
+                      <a:pPr marL="0" marR="0">
+                        <a:spcBef>
+                          <a:spcPts val="0"/>
+                        </a:spcBef>
+                        <a:spcAft>
+                          <a:spcPts val="0"/>
+                        </a:spcAft>
+                      </a:pPr>
+                      <a:r>
+                        <a:rPr lang="en-US" sz="2000">
+                          <a:effectLst/>
+                        </a:rPr>
+                        <a:t>Bulan/Tahun</a:t>
+                      </a:r>
+                      <a:endParaRPr lang="en-US" sz="2000">
+                        <a:effectLst/>
+                        <a:latin typeface="Calibri"/>
+                        <a:ea typeface="Calibri"/>
+                        <a:cs typeface="Times New Roman"/>
+                      </a:endParaRPr>
+                    </a:p>
+                  </a:txBody>
+                  <a:tcPr marL="68580" marR="68580" marT="0" marB="0"/>
+                </a:tc>
+              </a:tr>
+              <a:tr h="674370">
+                <a:tc>
+                  <a:txBody>
+                    <a:bodyPr/>
+                    <a:lstStyle/>
+                    <a:p>
+                      <a:pPr marL="0" marR="0">
+                        <a:spcBef>
+                          <a:spcPts val="0"/>
+                        </a:spcBef>
+                        <a:spcAft>
+                          <a:spcPts val="0"/>
+                        </a:spcAft>
+                      </a:pPr>
+                      <a:r>
+                        <a:rPr lang="en-US" sz="2000">
+                          <a:effectLst/>
+                        </a:rPr>
+                        <a:t>6</a:t>
+                      </a:r>
+                      <a:endParaRPr lang="en-US" sz="2000">
+                        <a:effectLst/>
+                        <a:latin typeface="Calibri"/>
+                        <a:ea typeface="Calibri"/>
+                        <a:cs typeface="Times New Roman"/>
+                      </a:endParaRPr>
+                    </a:p>
+                  </a:txBody>
+                  <a:tcPr marL="68580" marR="68580" marT="0" marB="0"/>
+                </a:tc>
+                <a:tc>
+                  <a:txBody>
+                    <a:bodyPr/>
+                    <a:lstStyle/>
+                    <a:p>
+                      <a:pPr marL="0" marR="0">
+                        <a:spcBef>
+                          <a:spcPts val="0"/>
+                        </a:spcBef>
+                        <a:spcAft>
+                          <a:spcPts val="0"/>
+                        </a:spcAft>
+                      </a:pPr>
+                      <a:r>
+                        <a:rPr lang="en-US" sz="2000">
+                          <a:effectLst/>
+                        </a:rPr>
+                        <a:t>Environment</a:t>
+                      </a:r>
+                      <a:endParaRPr lang="en-US" sz="2000">
+                        <a:effectLst/>
+                        <a:latin typeface="Calibri"/>
+                        <a:ea typeface="Calibri"/>
+                        <a:cs typeface="Times New Roman"/>
+                      </a:endParaRPr>
+                    </a:p>
+                  </a:txBody>
+                  <a:tcPr marL="68580" marR="68580" marT="0" marB="0"/>
+                </a:tc>
+                <a:tc>
+                  <a:txBody>
+                    <a:bodyPr/>
+                    <a:lstStyle/>
+                    <a:p>
+                      <a:pPr marL="0" marR="0">
+                        <a:spcBef>
+                          <a:spcPts val="0"/>
+                        </a:spcBef>
+                        <a:spcAft>
+                          <a:spcPts val="0"/>
+                        </a:spcAft>
+                      </a:pPr>
+                      <a:r>
+                        <a:rPr lang="en-US" sz="2000">
+                          <a:effectLst/>
+                        </a:rPr>
+                        <a:t>Nilai sentimen, Kata kunci</a:t>
+                      </a:r>
+                      <a:endParaRPr lang="en-US" sz="2000">
+                        <a:effectLst/>
+                        <a:latin typeface="Calibri"/>
+                        <a:ea typeface="Calibri"/>
+                        <a:cs typeface="Times New Roman"/>
+                      </a:endParaRPr>
+                    </a:p>
+                  </a:txBody>
+                  <a:tcPr marL="68580" marR="68580" marT="0" marB="0"/>
+                </a:tc>
+                <a:tc>
+                  <a:txBody>
+                    <a:bodyPr/>
+                    <a:lstStyle/>
+                    <a:p>
+                      <a:pPr marL="0" marR="0">
+                        <a:spcBef>
+                          <a:spcPts val="0"/>
+                        </a:spcBef>
+                        <a:spcAft>
+                          <a:spcPts val="0"/>
+                        </a:spcAft>
+                      </a:pPr>
+                      <a:r>
+                        <a:rPr lang="en-US" sz="2000">
+                          <a:effectLst/>
+                        </a:rPr>
+                        <a:t>Negara/Regional</a:t>
+                      </a:r>
+                      <a:endParaRPr lang="en-US" sz="2000">
+                        <a:effectLst/>
+                        <a:latin typeface="Calibri"/>
+                        <a:ea typeface="Calibri"/>
+                        <a:cs typeface="Times New Roman"/>
+                      </a:endParaRPr>
+                    </a:p>
+                  </a:txBody>
+                  <a:tcPr marL="68580" marR="68580" marT="0" marB="0"/>
+                </a:tc>
+                <a:tc>
+                  <a:txBody>
+                    <a:bodyPr/>
+                    <a:lstStyle/>
+                    <a:p>
+                      <a:pPr marL="0" marR="0">
+                        <a:spcBef>
+                          <a:spcPts val="0"/>
+                        </a:spcBef>
+                        <a:spcAft>
+                          <a:spcPts val="0"/>
+                        </a:spcAft>
+                      </a:pPr>
+                      <a:r>
+                        <a:rPr lang="en-US" sz="2000" dirty="0" err="1">
+                          <a:effectLst/>
+                        </a:rPr>
+                        <a:t>Bulan</a:t>
+                      </a:r>
+                      <a:r>
+                        <a:rPr lang="en-US" sz="2000" dirty="0">
+                          <a:effectLst/>
+                        </a:rPr>
+                        <a:t>/</a:t>
+                      </a:r>
+                      <a:r>
+                        <a:rPr lang="en-US" sz="2000" dirty="0" err="1">
+                          <a:effectLst/>
+                        </a:rPr>
+                        <a:t>Tahun</a:t>
+                      </a:r>
+                      <a:endParaRPr lang="en-US" sz="2000" dirty="0">
+                        <a:effectLst/>
+                        <a:latin typeface="Calibri"/>
+                        <a:ea typeface="Calibri"/>
+                        <a:cs typeface="Times New Roman"/>
+                      </a:endParaRPr>
+                    </a:p>
+                  </a:txBody>
+                  <a:tcPr marL="68580" marR="68580" marT="0" marB="0"/>
+                </a:tc>
+              </a:tr>
+            </a:tbl>
+          </a:graphicData>
+        </a:graphic>
+      </p:graphicFrame>
+    </p:spTree>
+    <p:extLst>
+      <p:ext uri="{BB962C8B-B14F-4D97-AF65-F5344CB8AC3E}">
+        <p14:creationId xmlns:p14="http://schemas.microsoft.com/office/powerpoint/2010/main" val="2612173880"/>
+      </p:ext>
+    </p:extLst>
+  </p:cSld>
+  <p:clrMapOvr>
+    <a:masterClrMapping/>
+  </p:clrMapOvr>
+  <p:transition spd="slow">
+    <p:wipe/>
+  </p:transition>
+  <p:timing>
+    <p:tnLst>
+      <p:par>
+        <p:cTn id="1" dur="indefinite" restart="never" nodeType="tmRoot"/>
+      </p:par>
+    </p:tnLst>
+  </p:timing>
+</p:sld>
+</file>
+
+<file path=ppt/slides/slide15.xml><?xml version="1.0" encoding="utf-8"?>
+<p:sld xmlns:a="http://schemas.openxmlformats.org/drawingml/2006/main" xmlns:r="http://schemas.openxmlformats.org/officeDocument/2006/relationships" xmlns:p="http://schemas.openxmlformats.org/presentationml/2006/main">
+  <p:cSld>
+    <p:bg>
+      <p:bgPr>
+        <a:solidFill>
+          <a:schemeClr val="bg1"/>
+        </a:solidFill>
+        <a:effectLst/>
+      </p:bgPr>
+    </p:bg>
+    <p:spTree>
+      <p:nvGrpSpPr>
+        <p:cNvPr id="1" name=""/>
+        <p:cNvGrpSpPr/>
+        <p:nvPr/>
+      </p:nvGrpSpPr>
+      <p:grpSpPr>
+        <a:xfrm>
+          <a:off x="0" y="0"/>
+          <a:ext cx="0" cy="0"/>
+          <a:chOff x="0" y="0"/>
+          <a:chExt cx="0" cy="0"/>
+        </a:xfrm>
+      </p:grpSpPr>
       <p:sp>
         <p:nvSpPr>
           <p:cNvPr id="2" name="Title 1"/>
@@ -7627,7 +8966,7 @@
 </p:sld>
 </file>
 
-<file path=ppt/slides/slide15.xml><?xml version="1.0" encoding="utf-8"?>
+<file path=ppt/slides/slide16.xml><?xml version="1.0" encoding="utf-8"?>
 <p:sld xmlns:a="http://schemas.openxmlformats.org/drawingml/2006/main" xmlns:r="http://schemas.openxmlformats.org/officeDocument/2006/relationships" xmlns:p="http://schemas.openxmlformats.org/presentationml/2006/main">
   <p:cSld>
     <p:bg>
@@ -7785,7 +9124,7 @@
         <p:spPr>
           <a:xfrm>
             <a:off x="249466" y="1276290"/>
-            <a:ext cx="2709396" cy="400110"/>
+            <a:ext cx="3321743" cy="400110"/>
           </a:xfrm>
           <a:prstGeom prst="rect">
             <a:avLst/>
@@ -7799,18 +9138,46 @@
           <a:lstStyle/>
           <a:p>
             <a:r>
+              <a:rPr lang="en-US" sz="2000" u="sng" dirty="0" smtClean="0">
+                <a:latin typeface="Roboto Light" panose="02000000000000000000" pitchFamily="2" charset="0"/>
+                <a:ea typeface="Roboto Light" panose="02000000000000000000" pitchFamily="2" charset="0"/>
+              </a:rPr>
+              <a:t>Kata </a:t>
+            </a:r>
+            <a:r>
               <a:rPr lang="en-US" sz="2000" u="sng" dirty="0" err="1" smtClean="0">
                 <a:latin typeface="Roboto Light" panose="02000000000000000000" pitchFamily="2" charset="0"/>
                 <a:ea typeface="Roboto Light" panose="02000000000000000000" pitchFamily="2" charset="0"/>
               </a:rPr>
-              <a:t>Kebutuhan</a:t>
+              <a:t>Kunci</a:t>
             </a:r>
             <a:r>
               <a:rPr lang="en-US" sz="2000" u="sng" dirty="0" smtClean="0">
                 <a:latin typeface="Roboto Light" panose="02000000000000000000" pitchFamily="2" charset="0"/>
                 <a:ea typeface="Roboto Light" panose="02000000000000000000" pitchFamily="2" charset="0"/>
               </a:rPr>
-              <a:t> Dashboard</a:t>
+              <a:t> </a:t>
+            </a:r>
+            <a:r>
+              <a:rPr lang="en-US" sz="2000" u="sng" dirty="0" err="1" smtClean="0">
+                <a:latin typeface="Roboto Light" panose="02000000000000000000" pitchFamily="2" charset="0"/>
+                <a:ea typeface="Roboto Light" panose="02000000000000000000" pitchFamily="2" charset="0"/>
+              </a:rPr>
+              <a:t>Pencarian</a:t>
+            </a:r>
+            <a:r>
+              <a:rPr lang="en-US" sz="2000" u="sng" dirty="0" smtClean="0">
+                <a:latin typeface="Roboto Light" panose="02000000000000000000" pitchFamily="2" charset="0"/>
+                <a:ea typeface="Roboto Light" panose="02000000000000000000" pitchFamily="2" charset="0"/>
+              </a:rPr>
+              <a:t> </a:t>
+            </a:r>
+            <a:r>
+              <a:rPr lang="en-US" sz="2000" u="sng" dirty="0" err="1" smtClean="0">
+                <a:latin typeface="Roboto Light" panose="02000000000000000000" pitchFamily="2" charset="0"/>
+                <a:ea typeface="Roboto Light" panose="02000000000000000000" pitchFamily="2" charset="0"/>
+              </a:rPr>
+              <a:t>Berita</a:t>
             </a:r>
             <a:endParaRPr lang="en-US" sz="2000" u="sng" dirty="0">
               <a:latin typeface="Roboto Light" panose="02000000000000000000" pitchFamily="2" charset="0"/>
@@ -7865,21 +9232,21 @@
       </p:sp>
       <p:graphicFrame>
         <p:nvGraphicFramePr>
-          <p:cNvPr id="7" name="Table 6"/>
+          <p:cNvPr id="2" name="Table 1"/>
           <p:cNvGraphicFramePr>
             <a:graphicFrameLocks noGrp="1"/>
           </p:cNvGraphicFramePr>
           <p:nvPr>
             <p:extLst>
               <p:ext uri="{D42A27DB-BD31-4B8C-83A1-F6EECF244321}">
-                <p14:modId xmlns:p14="http://schemas.microsoft.com/office/powerpoint/2010/main" val="1446517738"/>
+                <p14:modId xmlns:p14="http://schemas.microsoft.com/office/powerpoint/2010/main" val="631897780"/>
               </p:ext>
             </p:extLst>
           </p:nvPr>
         </p:nvGraphicFramePr>
         <p:xfrm>
-          <a:off x="381000" y="1981200"/>
-          <a:ext cx="8229600" cy="4599710"/>
+          <a:off x="381000" y="1905000"/>
+          <a:ext cx="8382000" cy="3657600"/>
         </p:xfrm>
         <a:graphic>
           <a:graphicData uri="http://schemas.openxmlformats.org/drawingml/2006/table">
@@ -7888,10 +9255,11 @@
                 <a:tableStyleId>{17292A2E-F333-43FB-9621-5CBBE7FDCDCB}</a:tableStyleId>
               </a:tblPr>
               <a:tblGrid>
-                <a:gridCol w="1415281"/>
-                <a:gridCol w="6814319"/>
+                <a:gridCol w="457200"/>
+                <a:gridCol w="1671692"/>
+                <a:gridCol w="6253108"/>
               </a:tblGrid>
-              <a:tr h="346363">
+              <a:tr h="161642">
                 <a:tc>
                   <a:txBody>
                     <a:bodyPr/>
@@ -7906,12 +9274,12 @@
                         </a:spcAft>
                       </a:pPr>
                       <a:r>
-                        <a:rPr lang="en-US" sz="2000">
-                          <a:effectLst/>
-                        </a:rPr>
-                        <a:t>ID</a:t>
-                      </a:r>
-                      <a:endParaRPr lang="en-US" sz="2000">
+                        <a:rPr lang="en-US" sz="2000" dirty="0">
+                          <a:effectLst/>
+                        </a:rPr>
+                        <a:t>No.</a:t>
+                      </a:r>
+                      <a:endParaRPr lang="en-US" sz="2000" dirty="0">
                         <a:effectLst/>
                         <a:latin typeface="Calibri"/>
                         <a:ea typeface="Calibri"/>
@@ -7919,7 +9287,7 @@
                       </a:endParaRPr>
                     </a:p>
                   </a:txBody>
-                  <a:tcPr marL="68580" marR="68580" marT="0" marB="0"/>
+                  <a:tcPr marL="66126" marR="66126" marT="0" marB="0"/>
                 </a:tc>
                 <a:tc>
                   <a:txBody>
@@ -7938,7 +9306,7 @@
                         <a:rPr lang="en-US" sz="2000">
                           <a:effectLst/>
                         </a:rPr>
-                        <a:t>Dashboard Requirements</a:t>
+                        <a:t>Faktor</a:t>
                       </a:r>
                       <a:endParaRPr lang="en-US" sz="2000">
                         <a:effectLst/>
@@ -7948,10 +9316,39 @@
                       </a:endParaRPr>
                     </a:p>
                   </a:txBody>
-                  <a:tcPr marL="68580" marR="68580" marT="0" marB="0"/>
+                  <a:tcPr marL="66126" marR="66126" marT="0" marB="0"/>
+                </a:tc>
+                <a:tc>
+                  <a:txBody>
+                    <a:bodyPr/>
+                    <a:lstStyle/>
+                    <a:p>
+                      <a:pPr marL="0" marR="0" algn="ctr">
+                        <a:spcBef>
+                          <a:spcPts val="0"/>
+                        </a:spcBef>
+                        <a:spcAft>
+                          <a:spcPts val="0"/>
+                        </a:spcAft>
+                      </a:pPr>
+                      <a:r>
+                        <a:rPr lang="en-US" sz="2000">
+                          <a:effectLst/>
+                        </a:rPr>
+                        <a:t>Kata Kunci</a:t>
+                      </a:r>
+                      <a:endParaRPr lang="en-US" sz="2000">
+                        <a:effectLst/>
+                        <a:latin typeface="Calibri"/>
+                        <a:ea typeface="Calibri"/>
+                        <a:cs typeface="Times New Roman"/>
+                      </a:endParaRPr>
+                    </a:p>
+                  </a:txBody>
+                  <a:tcPr marL="66126" marR="66126" marT="0" marB="0"/>
                 </a:tc>
               </a:tr>
-              <a:tr h="692728">
+              <a:tr h="646566">
                 <a:tc>
                   <a:txBody>
                     <a:bodyPr/>
@@ -7966,12 +9363,12 @@
                         </a:spcAft>
                       </a:pPr>
                       <a:r>
-                        <a:rPr lang="en-US" sz="2000">
-                          <a:effectLst/>
-                        </a:rPr>
-                        <a:t>F-001</a:t>
-                      </a:r>
-                      <a:endParaRPr lang="en-US" sz="2000">
+                        <a:rPr lang="en-US" sz="2000" dirty="0">
+                          <a:effectLst/>
+                        </a:rPr>
+                        <a:t>1</a:t>
+                      </a:r>
+                      <a:endParaRPr lang="en-US" sz="2000" dirty="0">
                         <a:effectLst/>
                         <a:latin typeface="Calibri"/>
                         <a:ea typeface="Calibri"/>
@@ -7979,7 +9376,7 @@
                       </a:endParaRPr>
                     </a:p>
                   </a:txBody>
-                  <a:tcPr marL="68580" marR="68580" marT="0" marB="0"/>
+                  <a:tcPr marL="66126" marR="66126" marT="0" marB="0"/>
                 </a:tc>
                 <a:tc>
                   <a:txBody>
@@ -7998,7 +9395,7 @@
                         <a:rPr lang="en-US" sz="2000">
                           <a:effectLst/>
                         </a:rPr>
-                        <a:t>Sistem dapat mengumpulkan alamat halaman situs web yang berhubungan dengan kata kunci yang didefinisikan</a:t>
+                        <a:t>Politic</a:t>
                       </a:r>
                       <a:endParaRPr lang="en-US" sz="2000">
                         <a:effectLst/>
@@ -8008,38 +9405,7 @@
                       </a:endParaRPr>
                     </a:p>
                   </a:txBody>
-                  <a:tcPr marL="68580" marR="68580" marT="0" marB="0"/>
-                </a:tc>
-              </a:tr>
-              <a:tr h="692728">
-                <a:tc>
-                  <a:txBody>
-                    <a:bodyPr/>
-                    <a:lstStyle/>
-                    <a:p>
-                      <a:pPr marL="0" marR="0">
-                        <a:spcBef>
-                          <a:spcPts val="0"/>
-                        </a:spcBef>
-                        <a:spcAft>
-                          <a:spcPts val="0"/>
-                        </a:spcAft>
-                      </a:pPr>
-                      <a:r>
-                        <a:rPr lang="en-US" sz="2000">
-                          <a:effectLst/>
-                        </a:rPr>
-                        <a:t>F-002</a:t>
-                      </a:r>
-                      <a:endParaRPr lang="en-US" sz="2000">
-                        <a:effectLst/>
-                        <a:latin typeface="Calibri"/>
-                        <a:ea typeface="Calibri"/>
-                        <a:cs typeface="Times New Roman"/>
-                      </a:endParaRPr>
-                    </a:p>
-                  </a:txBody>
-                  <a:tcPr marL="68580" marR="68580" marT="0" marB="0"/>
+                  <a:tcPr marL="66126" marR="66126" marT="0" marB="0"/>
                 </a:tc>
                 <a:tc>
                   <a:txBody>
@@ -8058,7 +9424,7 @@
                         <a:rPr lang="en-US" sz="2000">
                           <a:effectLst/>
                         </a:rPr>
-                        <a:t>Sistem dapat mengekstrak teks utama dari masing-masing halaman situs web yang telah dikumpulkan</a:t>
+                        <a:t>political issue, government stability, conflict, corruption, government leadership, employment, operational laws, trade restrictions, trade reform, tax regulations, bureaucracy issues, stability of neighbors</a:t>
                       </a:r>
                       <a:endParaRPr lang="en-US" sz="2000">
                         <a:effectLst/>
@@ -8068,10 +9434,10 @@
                       </a:endParaRPr>
                     </a:p>
                   </a:txBody>
-                  <a:tcPr marL="68580" marR="68580" marT="0" marB="0"/>
+                  <a:tcPr marL="66126" marR="66126" marT="0" marB="0"/>
                 </a:tc>
               </a:tr>
-              <a:tr h="346363">
+              <a:tr h="646566">
                 <a:tc>
                   <a:txBody>
                     <a:bodyPr/>
@@ -8089,7 +9455,7 @@
                         <a:rPr lang="en-US" sz="2000">
                           <a:effectLst/>
                         </a:rPr>
-                        <a:t>F-003</a:t>
+                        <a:t>2</a:t>
                       </a:r>
                       <a:endParaRPr lang="en-US" sz="2000">
                         <a:effectLst/>
@@ -8099,7 +9465,7 @@
                       </a:endParaRPr>
                     </a:p>
                   </a:txBody>
-                  <a:tcPr marL="68580" marR="68580" marT="0" marB="0"/>
+                  <a:tcPr marL="66126" marR="66126" marT="0" marB="0"/>
                 </a:tc>
                 <a:tc>
                   <a:txBody>
@@ -8118,7 +9484,7 @@
                         <a:rPr lang="en-US" sz="2000">
                           <a:effectLst/>
                         </a:rPr>
-                        <a:t>Sistem dapat mengekstrak kata kunci dari setiap teks yang sudah diekstrak</a:t>
+                        <a:t>Economy</a:t>
                       </a:r>
                       <a:endParaRPr lang="en-US" sz="2000">
                         <a:effectLst/>
@@ -8128,38 +9494,7 @@
                       </a:endParaRPr>
                     </a:p>
                   </a:txBody>
-                  <a:tcPr marL="68580" marR="68580" marT="0" marB="0"/>
-                </a:tc>
-              </a:tr>
-              <a:tr h="346363">
-                <a:tc>
-                  <a:txBody>
-                    <a:bodyPr/>
-                    <a:lstStyle/>
-                    <a:p>
-                      <a:pPr marL="0" marR="0">
-                        <a:spcBef>
-                          <a:spcPts val="0"/>
-                        </a:spcBef>
-                        <a:spcAft>
-                          <a:spcPts val="0"/>
-                        </a:spcAft>
-                      </a:pPr>
-                      <a:r>
-                        <a:rPr lang="en-US" sz="2000">
-                          <a:effectLst/>
-                        </a:rPr>
-                        <a:t>F-004</a:t>
-                      </a:r>
-                      <a:endParaRPr lang="en-US" sz="2000">
-                        <a:effectLst/>
-                        <a:latin typeface="Calibri"/>
-                        <a:ea typeface="Calibri"/>
-                        <a:cs typeface="Times New Roman"/>
-                      </a:endParaRPr>
-                    </a:p>
-                  </a:txBody>
-                  <a:tcPr marL="68580" marR="68580" marT="0" marB="0"/>
+                  <a:tcPr marL="66126" marR="66126" marT="0" marB="0"/>
                 </a:tc>
                 <a:tc>
                   <a:txBody>
@@ -8178,7 +9513,7 @@
                         <a:rPr lang="en-US" sz="2000">
                           <a:effectLst/>
                         </a:rPr>
-                        <a:t>Sistem dapat membuat rangkuman dari setiap teks yang sudah diekstrak</a:t>
+                        <a:t>economical issue, inflation, finance and credit rating, tax policy, exchange rate, working practices, gross domestic product, gross national product, globalization</a:t>
                       </a:r>
                       <a:endParaRPr lang="en-US" sz="2000">
                         <a:effectLst/>
@@ -8188,10 +9523,10 @@
                       </a:endParaRPr>
                     </a:p>
                   </a:txBody>
-                  <a:tcPr marL="68580" marR="68580" marT="0" marB="0"/>
+                  <a:tcPr marL="66126" marR="66126" marT="0" marB="0"/>
                 </a:tc>
               </a:tr>
-              <a:tr h="346363">
+              <a:tr h="646566">
                 <a:tc>
                   <a:txBody>
                     <a:bodyPr/>
@@ -8209,7 +9544,7 @@
                         <a:rPr lang="en-US" sz="2000">
                           <a:effectLst/>
                         </a:rPr>
-                        <a:t>F-005</a:t>
+                        <a:t>3</a:t>
                       </a:r>
                       <a:endParaRPr lang="en-US" sz="2000">
                         <a:effectLst/>
@@ -8219,7 +9554,7 @@
                       </a:endParaRPr>
                     </a:p>
                   </a:txBody>
-                  <a:tcPr marL="68580" marR="68580" marT="0" marB="0"/>
+                  <a:tcPr marL="66126" marR="66126" marT="0" marB="0"/>
                 </a:tc>
                 <a:tc>
                   <a:txBody>
@@ -8238,7 +9573,7 @@
                         <a:rPr lang="en-US" sz="2000">
                           <a:effectLst/>
                         </a:rPr>
-                        <a:t>Sistem dapat menganalisis nilai sentimen setiap teks yang sudah diekstrak</a:t>
+                        <a:t>Social</a:t>
                       </a:r>
                       <a:endParaRPr lang="en-US" sz="2000">
                         <a:effectLst/>
@@ -8248,38 +9583,7 @@
                       </a:endParaRPr>
                     </a:p>
                   </a:txBody>
-                  <a:tcPr marL="68580" marR="68580" marT="0" marB="0"/>
-                </a:tc>
-              </a:tr>
-              <a:tr h="692728">
-                <a:tc>
-                  <a:txBody>
-                    <a:bodyPr/>
-                    <a:lstStyle/>
-                    <a:p>
-                      <a:pPr marL="0" marR="0">
-                        <a:spcBef>
-                          <a:spcPts val="0"/>
-                        </a:spcBef>
-                        <a:spcAft>
-                          <a:spcPts val="0"/>
-                        </a:spcAft>
-                      </a:pPr>
-                      <a:r>
-                        <a:rPr lang="en-US" sz="2000">
-                          <a:effectLst/>
-                        </a:rPr>
-                        <a:t>F-006</a:t>
-                      </a:r>
-                      <a:endParaRPr lang="en-US" sz="2000">
-                        <a:effectLst/>
-                        <a:latin typeface="Calibri"/>
-                        <a:ea typeface="Calibri"/>
-                        <a:cs typeface="Times New Roman"/>
-                      </a:endParaRPr>
-                    </a:p>
-                  </a:txBody>
-                  <a:tcPr marL="68580" marR="68580" marT="0" marB="0"/>
+                  <a:tcPr marL="66126" marR="66126" marT="0" marB="0"/>
                 </a:tc>
                 <a:tc>
                   <a:txBody>
@@ -8295,118 +9599,10 @@
                         </a:spcAft>
                       </a:pPr>
                       <a:r>
-                        <a:rPr lang="en-US" sz="2000">
-                          <a:effectLst/>
-                        </a:rPr>
-                        <a:t>Sistem dapat menampilkan hasil proses pengolahan data ke dalam bentuk grafik, kata kunci, dan kotak rangkuman berita</a:t>
-                      </a:r>
-                      <a:endParaRPr lang="en-US" sz="2000">
-                        <a:effectLst/>
-                        <a:latin typeface="Calibri"/>
-                        <a:ea typeface="Calibri"/>
-                        <a:cs typeface="Times New Roman"/>
-                      </a:endParaRPr>
-                    </a:p>
-                  </a:txBody>
-                  <a:tcPr marL="68580" marR="68580" marT="0" marB="0"/>
-                </a:tc>
-              </a:tr>
-              <a:tr h="346363">
-                <a:tc>
-                  <a:txBody>
-                    <a:bodyPr/>
-                    <a:lstStyle/>
-                    <a:p>
-                      <a:pPr marL="0" marR="0">
-                        <a:spcBef>
-                          <a:spcPts val="0"/>
-                        </a:spcBef>
-                        <a:spcAft>
-                          <a:spcPts val="0"/>
-                        </a:spcAft>
-                      </a:pPr>
-                      <a:r>
-                        <a:rPr lang="en-US" sz="2000">
-                          <a:effectLst/>
-                        </a:rPr>
-                        <a:t>F-007</a:t>
-                      </a:r>
-                      <a:endParaRPr lang="en-US" sz="2000">
-                        <a:effectLst/>
-                        <a:latin typeface="Calibri"/>
-                        <a:ea typeface="Calibri"/>
-                        <a:cs typeface="Times New Roman"/>
-                      </a:endParaRPr>
-                    </a:p>
-                  </a:txBody>
-                  <a:tcPr marL="68580" marR="68580" marT="0" marB="0"/>
-                </a:tc>
-                <a:tc>
-                  <a:txBody>
-                    <a:bodyPr/>
-                    <a:lstStyle/>
-                    <a:p>
-                      <a:pPr marL="0" marR="0">
-                        <a:spcBef>
-                          <a:spcPts val="0"/>
-                        </a:spcBef>
-                        <a:spcAft>
-                          <a:spcPts val="0"/>
-                        </a:spcAft>
-                      </a:pPr>
-                      <a:r>
-                        <a:rPr lang="en-US" sz="2000" dirty="0" err="1">
-                          <a:effectLst/>
-                        </a:rPr>
-                        <a:t>Sistem</a:t>
-                      </a:r>
-                      <a:r>
                         <a:rPr lang="en-US" sz="2000" dirty="0">
                           <a:effectLst/>
                         </a:rPr>
-                        <a:t> </a:t>
-                      </a:r>
-                      <a:r>
-                        <a:rPr lang="en-US" sz="2000" dirty="0" err="1">
-                          <a:effectLst/>
-                        </a:rPr>
-                        <a:t>menyediakan</a:t>
-                      </a:r>
-                      <a:r>
-                        <a:rPr lang="en-US" sz="2000" dirty="0">
-                          <a:effectLst/>
-                        </a:rPr>
-                        <a:t> </a:t>
-                      </a:r>
-                      <a:r>
-                        <a:rPr lang="en-US" sz="2000" dirty="0" err="1">
-                          <a:effectLst/>
-                        </a:rPr>
-                        <a:t>fitur</a:t>
-                      </a:r>
-                      <a:r>
-                        <a:rPr lang="en-US" sz="2000" dirty="0">
-                          <a:effectLst/>
-                        </a:rPr>
-                        <a:t> </a:t>
-                      </a:r>
-                      <a:r>
-                        <a:rPr lang="en-US" sz="2000" dirty="0" err="1">
-                          <a:effectLst/>
-                        </a:rPr>
-                        <a:t>konfigurasi</a:t>
-                      </a:r>
-                      <a:r>
-                        <a:rPr lang="en-US" sz="2000" dirty="0">
-                          <a:effectLst/>
-                        </a:rPr>
-                        <a:t> kata </a:t>
-                      </a:r>
-                      <a:r>
-                        <a:rPr lang="en-US" sz="2000" dirty="0" err="1">
-                          <a:effectLst/>
-                        </a:rPr>
-                        <a:t>kunci</a:t>
+                        <a:t>social issue, demographic, cost of living, ethic, belief, lifestyle, religion, education level, attitudes, social mobility, historical issues, cross-cultural communications</a:t>
                       </a:r>
                       <a:endParaRPr lang="en-US" sz="2000" dirty="0">
                         <a:effectLst/>
@@ -8416,7 +9612,7 @@
                       </a:endParaRPr>
                     </a:p>
                   </a:txBody>
-                  <a:tcPr marL="68580" marR="68580" marT="0" marB="0"/>
+                  <a:tcPr marL="66126" marR="66126" marT="0" marB="0"/>
                 </a:tc>
               </a:tr>
             </a:tbl>
@@ -8427,1358 +9623,6 @@
     <p:extLst>
       <p:ext uri="{BB962C8B-B14F-4D97-AF65-F5344CB8AC3E}">
         <p14:creationId xmlns:p14="http://schemas.microsoft.com/office/powerpoint/2010/main" val="2219388615"/>
-      </p:ext>
-    </p:extLst>
-  </p:cSld>
-  <p:clrMapOvr>
-    <a:masterClrMapping/>
-  </p:clrMapOvr>
-  <p:transition spd="slow">
-    <p:wipe/>
-  </p:transition>
-  <p:timing>
-    <p:tnLst>
-      <p:par>
-        <p:cTn id="1" dur="indefinite" restart="never" nodeType="tmRoot"/>
-      </p:par>
-    </p:tnLst>
-  </p:timing>
-</p:sld>
-</file>
-
-<file path=ppt/slides/slide16.xml><?xml version="1.0" encoding="utf-8"?>
-<p:sld xmlns:a="http://schemas.openxmlformats.org/drawingml/2006/main" xmlns:r="http://schemas.openxmlformats.org/officeDocument/2006/relationships" xmlns:p="http://schemas.openxmlformats.org/presentationml/2006/main">
-  <p:cSld>
-    <p:bg>
-      <p:bgPr>
-        <a:solidFill>
-          <a:schemeClr val="bg1"/>
-        </a:solidFill>
-        <a:effectLst/>
-      </p:bgPr>
-    </p:bg>
-    <p:spTree>
-      <p:nvGrpSpPr>
-        <p:cNvPr id="1" name=""/>
-        <p:cNvGrpSpPr/>
-        <p:nvPr/>
-      </p:nvGrpSpPr>
-      <p:grpSpPr>
-        <a:xfrm>
-          <a:off x="0" y="0"/>
-          <a:ext cx="0" cy="0"/>
-          <a:chOff x="0" y="0"/>
-          <a:chExt cx="0" cy="0"/>
-        </a:xfrm>
-      </p:grpSpPr>
-      <p:cxnSp>
-        <p:nvCxnSpPr>
-          <p:cNvPr id="11" name="Straight Connector 10"/>
-          <p:cNvCxnSpPr/>
-          <p:nvPr/>
-        </p:nvCxnSpPr>
-        <p:spPr>
-          <a:xfrm>
-            <a:off x="4648200" y="914400"/>
-            <a:ext cx="4876800" cy="0"/>
-          </a:xfrm>
-          <a:prstGeom prst="line">
-            <a:avLst/>
-          </a:prstGeom>
-          <a:ln w="28575">
-            <a:solidFill>
-              <a:schemeClr val="tx1"/>
-            </a:solidFill>
-          </a:ln>
-        </p:spPr>
-        <p:style>
-          <a:lnRef idx="1">
-            <a:schemeClr val="dk1"/>
-          </a:lnRef>
-          <a:fillRef idx="0">
-            <a:schemeClr val="dk1"/>
-          </a:fillRef>
-          <a:effectRef idx="0">
-            <a:schemeClr val="dk1"/>
-          </a:effectRef>
-          <a:fontRef idx="minor">
-            <a:schemeClr val="tx1"/>
-          </a:fontRef>
-        </p:style>
-      </p:cxnSp>
-      <p:sp>
-        <p:nvSpPr>
-          <p:cNvPr id="13" name="Oval 12">
-            <a:hlinkClick r:id="rId2" action="ppaction://hlinksldjump"/>
-          </p:cNvPr>
-          <p:cNvSpPr/>
-          <p:nvPr/>
-        </p:nvSpPr>
-        <p:spPr>
-          <a:xfrm>
-            <a:off x="7620000" y="762000"/>
-            <a:ext cx="304800" cy="304800"/>
-          </a:xfrm>
-          <a:prstGeom prst="ellipse">
-            <a:avLst/>
-          </a:prstGeom>
-          <a:solidFill>
-            <a:schemeClr val="bg1"/>
-          </a:solidFill>
-          <a:ln w="28575">
-            <a:solidFill>
-              <a:schemeClr val="tx1"/>
-            </a:solidFill>
-          </a:ln>
-        </p:spPr>
-        <p:style>
-          <a:lnRef idx="2">
-            <a:schemeClr val="accent1">
-              <a:shade val="50000"/>
-            </a:schemeClr>
-          </a:lnRef>
-          <a:fillRef idx="1">
-            <a:schemeClr val="accent1"/>
-          </a:fillRef>
-          <a:effectRef idx="0">
-            <a:schemeClr val="accent1"/>
-          </a:effectRef>
-          <a:fontRef idx="minor">
-            <a:schemeClr val="lt1"/>
-          </a:fontRef>
-        </p:style>
-        <p:txBody>
-          <a:bodyPr rtlCol="0" anchor="ctr"/>
-          <a:lstStyle/>
-          <a:p>
-            <a:pPr algn="ctr"/>
-            <a:endParaRPr lang="en-US">
-              <a:solidFill>
-                <a:schemeClr val="tx1"/>
-              </a:solidFill>
-            </a:endParaRPr>
-          </a:p>
-        </p:txBody>
-      </p:sp>
-      <p:cxnSp>
-        <p:nvCxnSpPr>
-          <p:cNvPr id="16" name="Straight Connector 15"/>
-          <p:cNvCxnSpPr/>
-          <p:nvPr/>
-        </p:nvCxnSpPr>
-        <p:spPr>
-          <a:xfrm flipV="1">
-            <a:off x="1965960" y="-429768"/>
-            <a:ext cx="0" cy="914400"/>
-          </a:xfrm>
-          <a:prstGeom prst="line">
-            <a:avLst/>
-          </a:prstGeom>
-          <a:ln w="28575">
-            <a:solidFill>
-              <a:schemeClr val="tx1"/>
-            </a:solidFill>
-          </a:ln>
-        </p:spPr>
-        <p:style>
-          <a:lnRef idx="1">
-            <a:schemeClr val="dk1"/>
-          </a:lnRef>
-          <a:fillRef idx="0">
-            <a:schemeClr val="dk1"/>
-          </a:fillRef>
-          <a:effectRef idx="0">
-            <a:schemeClr val="dk1"/>
-          </a:effectRef>
-          <a:fontRef idx="minor">
-            <a:schemeClr val="tx1"/>
-          </a:fontRef>
-        </p:style>
-      </p:cxnSp>
-      <p:sp>
-        <p:nvSpPr>
-          <p:cNvPr id="21" name="TextBox 20"/>
-          <p:cNvSpPr txBox="1"/>
-          <p:nvPr/>
-        </p:nvSpPr>
-        <p:spPr>
-          <a:xfrm>
-            <a:off x="249466" y="1276290"/>
-            <a:ext cx="5229317" cy="400110"/>
-          </a:xfrm>
-          <a:prstGeom prst="rect">
-            <a:avLst/>
-          </a:prstGeom>
-          <a:noFill/>
-        </p:spPr>
-        <p:txBody>
-          <a:bodyPr wrap="none" rtlCol="0">
-            <a:spAutoFit/>
-          </a:bodyPr>
-          <a:lstStyle/>
-          <a:p>
-            <a:r>
-              <a:rPr lang="en-US" sz="2000" u="sng" dirty="0" smtClean="0">
-                <a:latin typeface="Roboto Light" panose="02000000000000000000" pitchFamily="2" charset="0"/>
-                <a:ea typeface="Roboto Light" panose="02000000000000000000" pitchFamily="2" charset="0"/>
-              </a:rPr>
-              <a:t>Key Performance Indicators (KPI) Dashboard</a:t>
-            </a:r>
-            <a:endParaRPr lang="en-US" sz="2000" u="sng" dirty="0">
-              <a:latin typeface="Roboto Light" panose="02000000000000000000" pitchFamily="2" charset="0"/>
-              <a:ea typeface="Roboto Light" panose="02000000000000000000" pitchFamily="2" charset="0"/>
-            </a:endParaRPr>
-          </a:p>
-        </p:txBody>
-      </p:sp>
-      <p:sp>
-        <p:nvSpPr>
-          <p:cNvPr id="23" name="Title 1"/>
-          <p:cNvSpPr>
-            <a:spLocks noGrp="1"/>
-          </p:cNvSpPr>
-          <p:nvPr>
-            <p:ph type="title"/>
-          </p:nvPr>
-        </p:nvSpPr>
-        <p:spPr>
-          <a:xfrm>
-            <a:off x="228600" y="228600"/>
-            <a:ext cx="4343400" cy="1143000"/>
-          </a:xfrm>
-          <a:ln>
-            <a:noFill/>
-          </a:ln>
-        </p:spPr>
-        <p:txBody>
-          <a:bodyPr>
-            <a:normAutofit/>
-          </a:bodyPr>
-          <a:lstStyle/>
-          <a:p>
-            <a:pPr algn="l"/>
-            <a:r>
-              <a:rPr lang="en-US" sz="6000" dirty="0" err="1" smtClean="0">
-                <a:latin typeface="Dense" pitchFamily="50" charset="0"/>
-              </a:rPr>
-              <a:t>Rancangan</a:t>
-            </a:r>
-            <a:r>
-              <a:rPr lang="en-US" sz="6000" dirty="0" smtClean="0">
-                <a:latin typeface="Dense" pitchFamily="50" charset="0"/>
-              </a:rPr>
-              <a:t> Dashboard</a:t>
-            </a:r>
-            <a:endParaRPr lang="en-US" sz="6000" dirty="0">
-              <a:latin typeface="Dense" pitchFamily="50" charset="0"/>
-            </a:endParaRPr>
-          </a:p>
-        </p:txBody>
-      </p:sp>
-      <p:graphicFrame>
-        <p:nvGraphicFramePr>
-          <p:cNvPr id="2" name="Table 1"/>
-          <p:cNvGraphicFramePr>
-            <a:graphicFrameLocks noGrp="1"/>
-          </p:cNvGraphicFramePr>
-          <p:nvPr>
-            <p:extLst>
-              <p:ext uri="{D42A27DB-BD31-4B8C-83A1-F6EECF244321}">
-                <p14:modId xmlns:p14="http://schemas.microsoft.com/office/powerpoint/2010/main" val="779671568"/>
-              </p:ext>
-            </p:extLst>
-          </p:nvPr>
-        </p:nvGraphicFramePr>
-        <p:xfrm>
-          <a:off x="381000" y="1981200"/>
-          <a:ext cx="8382000" cy="4495800"/>
-        </p:xfrm>
-        <a:graphic>
-          <a:graphicData uri="http://schemas.openxmlformats.org/drawingml/2006/table">
-            <a:tbl>
-              <a:tblPr firstRow="1" firstCol="1" bandRow="1">
-                <a:tableStyleId>{17292A2E-F333-43FB-9621-5CBBE7FDCDCB}</a:tableStyleId>
-              </a:tblPr>
-              <a:tblGrid>
-                <a:gridCol w="601457"/>
-                <a:gridCol w="2024870"/>
-                <a:gridCol w="1732510"/>
-                <a:gridCol w="2037668"/>
-                <a:gridCol w="1985495"/>
-              </a:tblGrid>
-              <a:tr h="449580">
-                <a:tc>
-                  <a:txBody>
-                    <a:bodyPr/>
-                    <a:lstStyle/>
-                    <a:p>
-                      <a:pPr marL="0" marR="0" algn="ctr">
-                        <a:spcBef>
-                          <a:spcPts val="0"/>
-                        </a:spcBef>
-                        <a:spcAft>
-                          <a:spcPts val="0"/>
-                        </a:spcAft>
-                      </a:pPr>
-                      <a:r>
-                        <a:rPr lang="en-US" sz="2000" dirty="0">
-                          <a:effectLst/>
-                        </a:rPr>
-                        <a:t>No.</a:t>
-                      </a:r>
-                      <a:endParaRPr lang="en-US" sz="2000" dirty="0">
-                        <a:effectLst/>
-                        <a:latin typeface="Calibri"/>
-                        <a:ea typeface="Calibri"/>
-                        <a:cs typeface="Times New Roman"/>
-                      </a:endParaRPr>
-                    </a:p>
-                  </a:txBody>
-                  <a:tcPr marL="68580" marR="68580" marT="0" marB="0"/>
-                </a:tc>
-                <a:tc>
-                  <a:txBody>
-                    <a:bodyPr/>
-                    <a:lstStyle/>
-                    <a:p>
-                      <a:pPr marL="0" marR="0" algn="ctr">
-                        <a:spcBef>
-                          <a:spcPts val="0"/>
-                        </a:spcBef>
-                        <a:spcAft>
-                          <a:spcPts val="0"/>
-                        </a:spcAft>
-                      </a:pPr>
-                      <a:r>
-                        <a:rPr lang="en-US" sz="2000">
-                          <a:effectLst/>
-                        </a:rPr>
-                        <a:t>KPI</a:t>
-                      </a:r>
-                      <a:endParaRPr lang="en-US" sz="2000">
-                        <a:effectLst/>
-                        <a:latin typeface="Calibri"/>
-                        <a:ea typeface="Calibri"/>
-                        <a:cs typeface="Times New Roman"/>
-                      </a:endParaRPr>
-                    </a:p>
-                  </a:txBody>
-                  <a:tcPr marL="68580" marR="68580" marT="0" marB="0"/>
-                </a:tc>
-                <a:tc>
-                  <a:txBody>
-                    <a:bodyPr/>
-                    <a:lstStyle/>
-                    <a:p>
-                      <a:pPr marL="0" marR="0" algn="ctr">
-                        <a:spcBef>
-                          <a:spcPts val="0"/>
-                        </a:spcBef>
-                        <a:spcAft>
-                          <a:spcPts val="0"/>
-                        </a:spcAft>
-                      </a:pPr>
-                      <a:r>
-                        <a:rPr lang="en-US" sz="2000">
-                          <a:effectLst/>
-                        </a:rPr>
-                        <a:t>Produk</a:t>
-                      </a:r>
-                      <a:endParaRPr lang="en-US" sz="2000">
-                        <a:effectLst/>
-                        <a:latin typeface="Calibri"/>
-                        <a:ea typeface="Calibri"/>
-                        <a:cs typeface="Times New Roman"/>
-                      </a:endParaRPr>
-                    </a:p>
-                  </a:txBody>
-                  <a:tcPr marL="68580" marR="68580" marT="0" marB="0"/>
-                </a:tc>
-                <a:tc>
-                  <a:txBody>
-                    <a:bodyPr/>
-                    <a:lstStyle/>
-                    <a:p>
-                      <a:pPr marL="0" marR="0" algn="ctr">
-                        <a:spcBef>
-                          <a:spcPts val="0"/>
-                        </a:spcBef>
-                        <a:spcAft>
-                          <a:spcPts val="0"/>
-                        </a:spcAft>
-                      </a:pPr>
-                      <a:r>
-                        <a:rPr lang="en-US" sz="2000">
-                          <a:effectLst/>
-                        </a:rPr>
-                        <a:t>Geografi</a:t>
-                      </a:r>
-                      <a:endParaRPr lang="en-US" sz="2000">
-                        <a:effectLst/>
-                        <a:latin typeface="Calibri"/>
-                        <a:ea typeface="Calibri"/>
-                        <a:cs typeface="Times New Roman"/>
-                      </a:endParaRPr>
-                    </a:p>
-                  </a:txBody>
-                  <a:tcPr marL="68580" marR="68580" marT="0" marB="0"/>
-                </a:tc>
-                <a:tc>
-                  <a:txBody>
-                    <a:bodyPr/>
-                    <a:lstStyle/>
-                    <a:p>
-                      <a:pPr marL="0" marR="0" algn="ctr">
-                        <a:spcBef>
-                          <a:spcPts val="0"/>
-                        </a:spcBef>
-                        <a:spcAft>
-                          <a:spcPts val="0"/>
-                        </a:spcAft>
-                      </a:pPr>
-                      <a:r>
-                        <a:rPr lang="en-US" sz="2000">
-                          <a:effectLst/>
-                        </a:rPr>
-                        <a:t>Waktu</a:t>
-                      </a:r>
-                      <a:endParaRPr lang="en-US" sz="2000">
-                        <a:effectLst/>
-                        <a:latin typeface="Calibri"/>
-                        <a:ea typeface="Calibri"/>
-                        <a:cs typeface="Times New Roman"/>
-                      </a:endParaRPr>
-                    </a:p>
-                  </a:txBody>
-                  <a:tcPr marL="68580" marR="68580" marT="0" marB="0"/>
-                </a:tc>
-              </a:tr>
-              <a:tr h="674370">
-                <a:tc>
-                  <a:txBody>
-                    <a:bodyPr/>
-                    <a:lstStyle/>
-                    <a:p>
-                      <a:pPr marL="0" marR="0">
-                        <a:spcBef>
-                          <a:spcPts val="0"/>
-                        </a:spcBef>
-                        <a:spcAft>
-                          <a:spcPts val="0"/>
-                        </a:spcAft>
-                      </a:pPr>
-                      <a:r>
-                        <a:rPr lang="en-US" sz="2000">
-                          <a:effectLst/>
-                        </a:rPr>
-                        <a:t>1</a:t>
-                      </a:r>
-                      <a:endParaRPr lang="en-US" sz="2000">
-                        <a:effectLst/>
-                        <a:latin typeface="Calibri"/>
-                        <a:ea typeface="Calibri"/>
-                        <a:cs typeface="Times New Roman"/>
-                      </a:endParaRPr>
-                    </a:p>
-                  </a:txBody>
-                  <a:tcPr marL="68580" marR="68580" marT="0" marB="0"/>
-                </a:tc>
-                <a:tc>
-                  <a:txBody>
-                    <a:bodyPr/>
-                    <a:lstStyle/>
-                    <a:p>
-                      <a:pPr marL="0" marR="0">
-                        <a:spcBef>
-                          <a:spcPts val="0"/>
-                        </a:spcBef>
-                        <a:spcAft>
-                          <a:spcPts val="0"/>
-                        </a:spcAft>
-                      </a:pPr>
-                      <a:r>
-                        <a:rPr lang="en-US" sz="2000">
-                          <a:effectLst/>
-                        </a:rPr>
-                        <a:t>Politic</a:t>
-                      </a:r>
-                      <a:endParaRPr lang="en-US" sz="2000">
-                        <a:effectLst/>
-                        <a:latin typeface="Calibri"/>
-                        <a:ea typeface="Calibri"/>
-                        <a:cs typeface="Times New Roman"/>
-                      </a:endParaRPr>
-                    </a:p>
-                  </a:txBody>
-                  <a:tcPr marL="68580" marR="68580" marT="0" marB="0"/>
-                </a:tc>
-                <a:tc>
-                  <a:txBody>
-                    <a:bodyPr/>
-                    <a:lstStyle/>
-                    <a:p>
-                      <a:pPr marL="0" marR="0">
-                        <a:spcBef>
-                          <a:spcPts val="0"/>
-                        </a:spcBef>
-                        <a:spcAft>
-                          <a:spcPts val="0"/>
-                        </a:spcAft>
-                      </a:pPr>
-                      <a:r>
-                        <a:rPr lang="en-US" sz="2000">
-                          <a:effectLst/>
-                        </a:rPr>
-                        <a:t>Nilai sentimen, Kata kunci</a:t>
-                      </a:r>
-                      <a:endParaRPr lang="en-US" sz="2000">
-                        <a:effectLst/>
-                        <a:latin typeface="Calibri"/>
-                        <a:ea typeface="Calibri"/>
-                        <a:cs typeface="Times New Roman"/>
-                      </a:endParaRPr>
-                    </a:p>
-                  </a:txBody>
-                  <a:tcPr marL="68580" marR="68580" marT="0" marB="0"/>
-                </a:tc>
-                <a:tc>
-                  <a:txBody>
-                    <a:bodyPr/>
-                    <a:lstStyle/>
-                    <a:p>
-                      <a:pPr marL="0" marR="0">
-                        <a:spcBef>
-                          <a:spcPts val="0"/>
-                        </a:spcBef>
-                        <a:spcAft>
-                          <a:spcPts val="0"/>
-                        </a:spcAft>
-                      </a:pPr>
-                      <a:r>
-                        <a:rPr lang="en-US" sz="2000">
-                          <a:effectLst/>
-                        </a:rPr>
-                        <a:t>Negara/Regional</a:t>
-                      </a:r>
-                      <a:endParaRPr lang="en-US" sz="2000">
-                        <a:effectLst/>
-                        <a:latin typeface="Calibri"/>
-                        <a:ea typeface="Calibri"/>
-                        <a:cs typeface="Times New Roman"/>
-                      </a:endParaRPr>
-                    </a:p>
-                  </a:txBody>
-                  <a:tcPr marL="68580" marR="68580" marT="0" marB="0"/>
-                </a:tc>
-                <a:tc>
-                  <a:txBody>
-                    <a:bodyPr/>
-                    <a:lstStyle/>
-                    <a:p>
-                      <a:pPr marL="0" marR="0">
-                        <a:spcBef>
-                          <a:spcPts val="0"/>
-                        </a:spcBef>
-                        <a:spcAft>
-                          <a:spcPts val="0"/>
-                        </a:spcAft>
-                      </a:pPr>
-                      <a:r>
-                        <a:rPr lang="en-US" sz="2000">
-                          <a:effectLst/>
-                        </a:rPr>
-                        <a:t>Bulan/Tahun</a:t>
-                      </a:r>
-                      <a:endParaRPr lang="en-US" sz="2000">
-                        <a:effectLst/>
-                        <a:latin typeface="Calibri"/>
-                        <a:ea typeface="Calibri"/>
-                        <a:cs typeface="Times New Roman"/>
-                      </a:endParaRPr>
-                    </a:p>
-                  </a:txBody>
-                  <a:tcPr marL="68580" marR="68580" marT="0" marB="0"/>
-                </a:tc>
-              </a:tr>
-              <a:tr h="674370">
-                <a:tc>
-                  <a:txBody>
-                    <a:bodyPr/>
-                    <a:lstStyle/>
-                    <a:p>
-                      <a:pPr marL="0" marR="0">
-                        <a:spcBef>
-                          <a:spcPts val="0"/>
-                        </a:spcBef>
-                        <a:spcAft>
-                          <a:spcPts val="0"/>
-                        </a:spcAft>
-                      </a:pPr>
-                      <a:r>
-                        <a:rPr lang="en-US" sz="2000">
-                          <a:effectLst/>
-                        </a:rPr>
-                        <a:t>2</a:t>
-                      </a:r>
-                      <a:endParaRPr lang="en-US" sz="2000">
-                        <a:effectLst/>
-                        <a:latin typeface="Calibri"/>
-                        <a:ea typeface="Calibri"/>
-                        <a:cs typeface="Times New Roman"/>
-                      </a:endParaRPr>
-                    </a:p>
-                  </a:txBody>
-                  <a:tcPr marL="68580" marR="68580" marT="0" marB="0"/>
-                </a:tc>
-                <a:tc>
-                  <a:txBody>
-                    <a:bodyPr/>
-                    <a:lstStyle/>
-                    <a:p>
-                      <a:pPr marL="0" marR="0">
-                        <a:spcBef>
-                          <a:spcPts val="0"/>
-                        </a:spcBef>
-                        <a:spcAft>
-                          <a:spcPts val="0"/>
-                        </a:spcAft>
-                      </a:pPr>
-                      <a:r>
-                        <a:rPr lang="en-US" sz="2000">
-                          <a:effectLst/>
-                        </a:rPr>
-                        <a:t>Economy</a:t>
-                      </a:r>
-                      <a:endParaRPr lang="en-US" sz="2000">
-                        <a:effectLst/>
-                        <a:latin typeface="Calibri"/>
-                        <a:ea typeface="Calibri"/>
-                        <a:cs typeface="Times New Roman"/>
-                      </a:endParaRPr>
-                    </a:p>
-                  </a:txBody>
-                  <a:tcPr marL="68580" marR="68580" marT="0" marB="0"/>
-                </a:tc>
-                <a:tc>
-                  <a:txBody>
-                    <a:bodyPr/>
-                    <a:lstStyle/>
-                    <a:p>
-                      <a:pPr marL="0" marR="0">
-                        <a:spcBef>
-                          <a:spcPts val="0"/>
-                        </a:spcBef>
-                        <a:spcAft>
-                          <a:spcPts val="0"/>
-                        </a:spcAft>
-                      </a:pPr>
-                      <a:r>
-                        <a:rPr lang="en-US" sz="2000" dirty="0" err="1">
-                          <a:effectLst/>
-                        </a:rPr>
-                        <a:t>Nilai</a:t>
-                      </a:r>
-                      <a:r>
-                        <a:rPr lang="en-US" sz="2000" dirty="0">
-                          <a:effectLst/>
-                        </a:rPr>
-                        <a:t> </a:t>
-                      </a:r>
-                      <a:r>
-                        <a:rPr lang="en-US" sz="2000" dirty="0" err="1">
-                          <a:effectLst/>
-                        </a:rPr>
-                        <a:t>sentimen</a:t>
-                      </a:r>
-                      <a:r>
-                        <a:rPr lang="en-US" sz="2000" dirty="0">
-                          <a:effectLst/>
-                        </a:rPr>
-                        <a:t>, Kata </a:t>
-                      </a:r>
-                      <a:r>
-                        <a:rPr lang="en-US" sz="2000" dirty="0" err="1">
-                          <a:effectLst/>
-                        </a:rPr>
-                        <a:t>kunci</a:t>
-                      </a:r>
-                      <a:endParaRPr lang="en-US" sz="2000" dirty="0">
-                        <a:effectLst/>
-                        <a:latin typeface="Calibri"/>
-                        <a:ea typeface="Calibri"/>
-                        <a:cs typeface="Times New Roman"/>
-                      </a:endParaRPr>
-                    </a:p>
-                  </a:txBody>
-                  <a:tcPr marL="68580" marR="68580" marT="0" marB="0"/>
-                </a:tc>
-                <a:tc>
-                  <a:txBody>
-                    <a:bodyPr/>
-                    <a:lstStyle/>
-                    <a:p>
-                      <a:pPr marL="0" marR="0">
-                        <a:spcBef>
-                          <a:spcPts val="0"/>
-                        </a:spcBef>
-                        <a:spcAft>
-                          <a:spcPts val="0"/>
-                        </a:spcAft>
-                      </a:pPr>
-                      <a:r>
-                        <a:rPr lang="en-US" sz="2000">
-                          <a:effectLst/>
-                        </a:rPr>
-                        <a:t>Negara/Regional</a:t>
-                      </a:r>
-                      <a:endParaRPr lang="en-US" sz="2000">
-                        <a:effectLst/>
-                        <a:latin typeface="Calibri"/>
-                        <a:ea typeface="Calibri"/>
-                        <a:cs typeface="Times New Roman"/>
-                      </a:endParaRPr>
-                    </a:p>
-                  </a:txBody>
-                  <a:tcPr marL="68580" marR="68580" marT="0" marB="0"/>
-                </a:tc>
-                <a:tc>
-                  <a:txBody>
-                    <a:bodyPr/>
-                    <a:lstStyle/>
-                    <a:p>
-                      <a:pPr marL="0" marR="0">
-                        <a:spcBef>
-                          <a:spcPts val="0"/>
-                        </a:spcBef>
-                        <a:spcAft>
-                          <a:spcPts val="0"/>
-                        </a:spcAft>
-                      </a:pPr>
-                      <a:r>
-                        <a:rPr lang="en-US" sz="2000">
-                          <a:effectLst/>
-                        </a:rPr>
-                        <a:t>Bulan/Tahun</a:t>
-                      </a:r>
-                      <a:endParaRPr lang="en-US" sz="2000">
-                        <a:effectLst/>
-                        <a:latin typeface="Calibri"/>
-                        <a:ea typeface="Calibri"/>
-                        <a:cs typeface="Times New Roman"/>
-                      </a:endParaRPr>
-                    </a:p>
-                  </a:txBody>
-                  <a:tcPr marL="68580" marR="68580" marT="0" marB="0"/>
-                </a:tc>
-              </a:tr>
-              <a:tr h="674370">
-                <a:tc>
-                  <a:txBody>
-                    <a:bodyPr/>
-                    <a:lstStyle/>
-                    <a:p>
-                      <a:pPr marL="0" marR="0">
-                        <a:spcBef>
-                          <a:spcPts val="0"/>
-                        </a:spcBef>
-                        <a:spcAft>
-                          <a:spcPts val="0"/>
-                        </a:spcAft>
-                      </a:pPr>
-                      <a:r>
-                        <a:rPr lang="en-US" sz="2000">
-                          <a:effectLst/>
-                        </a:rPr>
-                        <a:t>3</a:t>
-                      </a:r>
-                      <a:endParaRPr lang="en-US" sz="2000">
-                        <a:effectLst/>
-                        <a:latin typeface="Calibri"/>
-                        <a:ea typeface="Calibri"/>
-                        <a:cs typeface="Times New Roman"/>
-                      </a:endParaRPr>
-                    </a:p>
-                  </a:txBody>
-                  <a:tcPr marL="68580" marR="68580" marT="0" marB="0"/>
-                </a:tc>
-                <a:tc>
-                  <a:txBody>
-                    <a:bodyPr/>
-                    <a:lstStyle/>
-                    <a:p>
-                      <a:pPr marL="0" marR="0">
-                        <a:spcBef>
-                          <a:spcPts val="0"/>
-                        </a:spcBef>
-                        <a:spcAft>
-                          <a:spcPts val="0"/>
-                        </a:spcAft>
-                      </a:pPr>
-                      <a:r>
-                        <a:rPr lang="en-US" sz="2000">
-                          <a:effectLst/>
-                        </a:rPr>
-                        <a:t>Social</a:t>
-                      </a:r>
-                      <a:endParaRPr lang="en-US" sz="2000">
-                        <a:effectLst/>
-                        <a:latin typeface="Calibri"/>
-                        <a:ea typeface="Calibri"/>
-                        <a:cs typeface="Times New Roman"/>
-                      </a:endParaRPr>
-                    </a:p>
-                  </a:txBody>
-                  <a:tcPr marL="68580" marR="68580" marT="0" marB="0"/>
-                </a:tc>
-                <a:tc>
-                  <a:txBody>
-                    <a:bodyPr/>
-                    <a:lstStyle/>
-                    <a:p>
-                      <a:pPr marL="0" marR="0">
-                        <a:spcBef>
-                          <a:spcPts val="0"/>
-                        </a:spcBef>
-                        <a:spcAft>
-                          <a:spcPts val="0"/>
-                        </a:spcAft>
-                      </a:pPr>
-                      <a:r>
-                        <a:rPr lang="en-US" sz="2000">
-                          <a:effectLst/>
-                        </a:rPr>
-                        <a:t>Nilai sentimen, Kata kunci</a:t>
-                      </a:r>
-                      <a:endParaRPr lang="en-US" sz="2000">
-                        <a:effectLst/>
-                        <a:latin typeface="Calibri"/>
-                        <a:ea typeface="Calibri"/>
-                        <a:cs typeface="Times New Roman"/>
-                      </a:endParaRPr>
-                    </a:p>
-                  </a:txBody>
-                  <a:tcPr marL="68580" marR="68580" marT="0" marB="0"/>
-                </a:tc>
-                <a:tc>
-                  <a:txBody>
-                    <a:bodyPr/>
-                    <a:lstStyle/>
-                    <a:p>
-                      <a:pPr marL="0" marR="0">
-                        <a:spcBef>
-                          <a:spcPts val="0"/>
-                        </a:spcBef>
-                        <a:spcAft>
-                          <a:spcPts val="0"/>
-                        </a:spcAft>
-                      </a:pPr>
-                      <a:r>
-                        <a:rPr lang="en-US" sz="2000">
-                          <a:effectLst/>
-                        </a:rPr>
-                        <a:t>Negara/Regional</a:t>
-                      </a:r>
-                      <a:endParaRPr lang="en-US" sz="2000">
-                        <a:effectLst/>
-                        <a:latin typeface="Calibri"/>
-                        <a:ea typeface="Calibri"/>
-                        <a:cs typeface="Times New Roman"/>
-                      </a:endParaRPr>
-                    </a:p>
-                  </a:txBody>
-                  <a:tcPr marL="68580" marR="68580" marT="0" marB="0"/>
-                </a:tc>
-                <a:tc>
-                  <a:txBody>
-                    <a:bodyPr/>
-                    <a:lstStyle/>
-                    <a:p>
-                      <a:pPr marL="0" marR="0">
-                        <a:spcBef>
-                          <a:spcPts val="0"/>
-                        </a:spcBef>
-                        <a:spcAft>
-                          <a:spcPts val="0"/>
-                        </a:spcAft>
-                      </a:pPr>
-                      <a:r>
-                        <a:rPr lang="en-US" sz="2000">
-                          <a:effectLst/>
-                        </a:rPr>
-                        <a:t>Bulan/Tahun</a:t>
-                      </a:r>
-                      <a:endParaRPr lang="en-US" sz="2000">
-                        <a:effectLst/>
-                        <a:latin typeface="Calibri"/>
-                        <a:ea typeface="Calibri"/>
-                        <a:cs typeface="Times New Roman"/>
-                      </a:endParaRPr>
-                    </a:p>
-                  </a:txBody>
-                  <a:tcPr marL="68580" marR="68580" marT="0" marB="0"/>
-                </a:tc>
-              </a:tr>
-              <a:tr h="674370">
-                <a:tc>
-                  <a:txBody>
-                    <a:bodyPr/>
-                    <a:lstStyle/>
-                    <a:p>
-                      <a:pPr marL="0" marR="0">
-                        <a:spcBef>
-                          <a:spcPts val="0"/>
-                        </a:spcBef>
-                        <a:spcAft>
-                          <a:spcPts val="0"/>
-                        </a:spcAft>
-                      </a:pPr>
-                      <a:r>
-                        <a:rPr lang="en-US" sz="2000">
-                          <a:effectLst/>
-                        </a:rPr>
-                        <a:t>4</a:t>
-                      </a:r>
-                      <a:endParaRPr lang="en-US" sz="2000">
-                        <a:effectLst/>
-                        <a:latin typeface="Calibri"/>
-                        <a:ea typeface="Calibri"/>
-                        <a:cs typeface="Times New Roman"/>
-                      </a:endParaRPr>
-                    </a:p>
-                  </a:txBody>
-                  <a:tcPr marL="68580" marR="68580" marT="0" marB="0"/>
-                </a:tc>
-                <a:tc>
-                  <a:txBody>
-                    <a:bodyPr/>
-                    <a:lstStyle/>
-                    <a:p>
-                      <a:pPr marL="0" marR="0">
-                        <a:spcBef>
-                          <a:spcPts val="0"/>
-                        </a:spcBef>
-                        <a:spcAft>
-                          <a:spcPts val="0"/>
-                        </a:spcAft>
-                      </a:pPr>
-                      <a:r>
-                        <a:rPr lang="en-US" sz="2000">
-                          <a:effectLst/>
-                        </a:rPr>
-                        <a:t>Technology</a:t>
-                      </a:r>
-                      <a:endParaRPr lang="en-US" sz="2000">
-                        <a:effectLst/>
-                        <a:latin typeface="Calibri"/>
-                        <a:ea typeface="Calibri"/>
-                        <a:cs typeface="Times New Roman"/>
-                      </a:endParaRPr>
-                    </a:p>
-                  </a:txBody>
-                  <a:tcPr marL="68580" marR="68580" marT="0" marB="0"/>
-                </a:tc>
-                <a:tc>
-                  <a:txBody>
-                    <a:bodyPr/>
-                    <a:lstStyle/>
-                    <a:p>
-                      <a:pPr marL="0" marR="0">
-                        <a:spcBef>
-                          <a:spcPts val="0"/>
-                        </a:spcBef>
-                        <a:spcAft>
-                          <a:spcPts val="0"/>
-                        </a:spcAft>
-                      </a:pPr>
-                      <a:r>
-                        <a:rPr lang="en-US" sz="2000">
-                          <a:effectLst/>
-                        </a:rPr>
-                        <a:t>Nilai sentimen, Kata kunci</a:t>
-                      </a:r>
-                      <a:endParaRPr lang="en-US" sz="2000">
-                        <a:effectLst/>
-                        <a:latin typeface="Calibri"/>
-                        <a:ea typeface="Calibri"/>
-                        <a:cs typeface="Times New Roman"/>
-                      </a:endParaRPr>
-                    </a:p>
-                  </a:txBody>
-                  <a:tcPr marL="68580" marR="68580" marT="0" marB="0"/>
-                </a:tc>
-                <a:tc>
-                  <a:txBody>
-                    <a:bodyPr/>
-                    <a:lstStyle/>
-                    <a:p>
-                      <a:pPr marL="0" marR="0">
-                        <a:spcBef>
-                          <a:spcPts val="0"/>
-                        </a:spcBef>
-                        <a:spcAft>
-                          <a:spcPts val="0"/>
-                        </a:spcAft>
-                      </a:pPr>
-                      <a:r>
-                        <a:rPr lang="en-US" sz="2000">
-                          <a:effectLst/>
-                        </a:rPr>
-                        <a:t>Negara/Regional</a:t>
-                      </a:r>
-                      <a:endParaRPr lang="en-US" sz="2000">
-                        <a:effectLst/>
-                        <a:latin typeface="Calibri"/>
-                        <a:ea typeface="Calibri"/>
-                        <a:cs typeface="Times New Roman"/>
-                      </a:endParaRPr>
-                    </a:p>
-                  </a:txBody>
-                  <a:tcPr marL="68580" marR="68580" marT="0" marB="0"/>
-                </a:tc>
-                <a:tc>
-                  <a:txBody>
-                    <a:bodyPr/>
-                    <a:lstStyle/>
-                    <a:p>
-                      <a:pPr marL="0" marR="0">
-                        <a:spcBef>
-                          <a:spcPts val="0"/>
-                        </a:spcBef>
-                        <a:spcAft>
-                          <a:spcPts val="0"/>
-                        </a:spcAft>
-                      </a:pPr>
-                      <a:r>
-                        <a:rPr lang="en-US" sz="2000">
-                          <a:effectLst/>
-                        </a:rPr>
-                        <a:t>Bulan/Tahun</a:t>
-                      </a:r>
-                      <a:endParaRPr lang="en-US" sz="2000">
-                        <a:effectLst/>
-                        <a:latin typeface="Calibri"/>
-                        <a:ea typeface="Calibri"/>
-                        <a:cs typeface="Times New Roman"/>
-                      </a:endParaRPr>
-                    </a:p>
-                  </a:txBody>
-                  <a:tcPr marL="68580" marR="68580" marT="0" marB="0"/>
-                </a:tc>
-              </a:tr>
-              <a:tr h="674370">
-                <a:tc>
-                  <a:txBody>
-                    <a:bodyPr/>
-                    <a:lstStyle/>
-                    <a:p>
-                      <a:pPr marL="0" marR="0">
-                        <a:spcBef>
-                          <a:spcPts val="0"/>
-                        </a:spcBef>
-                        <a:spcAft>
-                          <a:spcPts val="0"/>
-                        </a:spcAft>
-                      </a:pPr>
-                      <a:r>
-                        <a:rPr lang="en-US" sz="2000">
-                          <a:effectLst/>
-                        </a:rPr>
-                        <a:t>5</a:t>
-                      </a:r>
-                      <a:endParaRPr lang="en-US" sz="2000">
-                        <a:effectLst/>
-                        <a:latin typeface="Calibri"/>
-                        <a:ea typeface="Calibri"/>
-                        <a:cs typeface="Times New Roman"/>
-                      </a:endParaRPr>
-                    </a:p>
-                  </a:txBody>
-                  <a:tcPr marL="68580" marR="68580" marT="0" marB="0"/>
-                </a:tc>
-                <a:tc>
-                  <a:txBody>
-                    <a:bodyPr/>
-                    <a:lstStyle/>
-                    <a:p>
-                      <a:pPr marL="0" marR="0">
-                        <a:spcBef>
-                          <a:spcPts val="0"/>
-                        </a:spcBef>
-                        <a:spcAft>
-                          <a:spcPts val="0"/>
-                        </a:spcAft>
-                      </a:pPr>
-                      <a:r>
-                        <a:rPr lang="en-US" sz="2000">
-                          <a:effectLst/>
-                        </a:rPr>
-                        <a:t>Legal</a:t>
-                      </a:r>
-                      <a:endParaRPr lang="en-US" sz="2000">
-                        <a:effectLst/>
-                        <a:latin typeface="Calibri"/>
-                        <a:ea typeface="Calibri"/>
-                        <a:cs typeface="Times New Roman"/>
-                      </a:endParaRPr>
-                    </a:p>
-                  </a:txBody>
-                  <a:tcPr marL="68580" marR="68580" marT="0" marB="0"/>
-                </a:tc>
-                <a:tc>
-                  <a:txBody>
-                    <a:bodyPr/>
-                    <a:lstStyle/>
-                    <a:p>
-                      <a:pPr marL="0" marR="0">
-                        <a:spcBef>
-                          <a:spcPts val="0"/>
-                        </a:spcBef>
-                        <a:spcAft>
-                          <a:spcPts val="0"/>
-                        </a:spcAft>
-                      </a:pPr>
-                      <a:r>
-                        <a:rPr lang="en-US" sz="2000">
-                          <a:effectLst/>
-                        </a:rPr>
-                        <a:t>Nilai sentimen, Kata kunci</a:t>
-                      </a:r>
-                      <a:endParaRPr lang="en-US" sz="2000">
-                        <a:effectLst/>
-                        <a:latin typeface="Calibri"/>
-                        <a:ea typeface="Calibri"/>
-                        <a:cs typeface="Times New Roman"/>
-                      </a:endParaRPr>
-                    </a:p>
-                  </a:txBody>
-                  <a:tcPr marL="68580" marR="68580" marT="0" marB="0"/>
-                </a:tc>
-                <a:tc>
-                  <a:txBody>
-                    <a:bodyPr/>
-                    <a:lstStyle/>
-                    <a:p>
-                      <a:pPr marL="0" marR="0">
-                        <a:spcBef>
-                          <a:spcPts val="0"/>
-                        </a:spcBef>
-                        <a:spcAft>
-                          <a:spcPts val="0"/>
-                        </a:spcAft>
-                      </a:pPr>
-                      <a:r>
-                        <a:rPr lang="en-US" sz="2000">
-                          <a:effectLst/>
-                        </a:rPr>
-                        <a:t>Negara/Regional</a:t>
-                      </a:r>
-                      <a:endParaRPr lang="en-US" sz="2000">
-                        <a:effectLst/>
-                        <a:latin typeface="Calibri"/>
-                        <a:ea typeface="Calibri"/>
-                        <a:cs typeface="Times New Roman"/>
-                      </a:endParaRPr>
-                    </a:p>
-                  </a:txBody>
-                  <a:tcPr marL="68580" marR="68580" marT="0" marB="0"/>
-                </a:tc>
-                <a:tc>
-                  <a:txBody>
-                    <a:bodyPr/>
-                    <a:lstStyle/>
-                    <a:p>
-                      <a:pPr marL="0" marR="0">
-                        <a:spcBef>
-                          <a:spcPts val="0"/>
-                        </a:spcBef>
-                        <a:spcAft>
-                          <a:spcPts val="0"/>
-                        </a:spcAft>
-                      </a:pPr>
-                      <a:r>
-                        <a:rPr lang="en-US" sz="2000">
-                          <a:effectLst/>
-                        </a:rPr>
-                        <a:t>Bulan/Tahun</a:t>
-                      </a:r>
-                      <a:endParaRPr lang="en-US" sz="2000">
-                        <a:effectLst/>
-                        <a:latin typeface="Calibri"/>
-                        <a:ea typeface="Calibri"/>
-                        <a:cs typeface="Times New Roman"/>
-                      </a:endParaRPr>
-                    </a:p>
-                  </a:txBody>
-                  <a:tcPr marL="68580" marR="68580" marT="0" marB="0"/>
-                </a:tc>
-              </a:tr>
-              <a:tr h="674370">
-                <a:tc>
-                  <a:txBody>
-                    <a:bodyPr/>
-                    <a:lstStyle/>
-                    <a:p>
-                      <a:pPr marL="0" marR="0">
-                        <a:spcBef>
-                          <a:spcPts val="0"/>
-                        </a:spcBef>
-                        <a:spcAft>
-                          <a:spcPts val="0"/>
-                        </a:spcAft>
-                      </a:pPr>
-                      <a:r>
-                        <a:rPr lang="en-US" sz="2000">
-                          <a:effectLst/>
-                        </a:rPr>
-                        <a:t>6</a:t>
-                      </a:r>
-                      <a:endParaRPr lang="en-US" sz="2000">
-                        <a:effectLst/>
-                        <a:latin typeface="Calibri"/>
-                        <a:ea typeface="Calibri"/>
-                        <a:cs typeface="Times New Roman"/>
-                      </a:endParaRPr>
-                    </a:p>
-                  </a:txBody>
-                  <a:tcPr marL="68580" marR="68580" marT="0" marB="0"/>
-                </a:tc>
-                <a:tc>
-                  <a:txBody>
-                    <a:bodyPr/>
-                    <a:lstStyle/>
-                    <a:p>
-                      <a:pPr marL="0" marR="0">
-                        <a:spcBef>
-                          <a:spcPts val="0"/>
-                        </a:spcBef>
-                        <a:spcAft>
-                          <a:spcPts val="0"/>
-                        </a:spcAft>
-                      </a:pPr>
-                      <a:r>
-                        <a:rPr lang="en-US" sz="2000">
-                          <a:effectLst/>
-                        </a:rPr>
-                        <a:t>Environment</a:t>
-                      </a:r>
-                      <a:endParaRPr lang="en-US" sz="2000">
-                        <a:effectLst/>
-                        <a:latin typeface="Calibri"/>
-                        <a:ea typeface="Calibri"/>
-                        <a:cs typeface="Times New Roman"/>
-                      </a:endParaRPr>
-                    </a:p>
-                  </a:txBody>
-                  <a:tcPr marL="68580" marR="68580" marT="0" marB="0"/>
-                </a:tc>
-                <a:tc>
-                  <a:txBody>
-                    <a:bodyPr/>
-                    <a:lstStyle/>
-                    <a:p>
-                      <a:pPr marL="0" marR="0">
-                        <a:spcBef>
-                          <a:spcPts val="0"/>
-                        </a:spcBef>
-                        <a:spcAft>
-                          <a:spcPts val="0"/>
-                        </a:spcAft>
-                      </a:pPr>
-                      <a:r>
-                        <a:rPr lang="en-US" sz="2000">
-                          <a:effectLst/>
-                        </a:rPr>
-                        <a:t>Nilai sentimen, Kata kunci</a:t>
-                      </a:r>
-                      <a:endParaRPr lang="en-US" sz="2000">
-                        <a:effectLst/>
-                        <a:latin typeface="Calibri"/>
-                        <a:ea typeface="Calibri"/>
-                        <a:cs typeface="Times New Roman"/>
-                      </a:endParaRPr>
-                    </a:p>
-                  </a:txBody>
-                  <a:tcPr marL="68580" marR="68580" marT="0" marB="0"/>
-                </a:tc>
-                <a:tc>
-                  <a:txBody>
-                    <a:bodyPr/>
-                    <a:lstStyle/>
-                    <a:p>
-                      <a:pPr marL="0" marR="0">
-                        <a:spcBef>
-                          <a:spcPts val="0"/>
-                        </a:spcBef>
-                        <a:spcAft>
-                          <a:spcPts val="0"/>
-                        </a:spcAft>
-                      </a:pPr>
-                      <a:r>
-                        <a:rPr lang="en-US" sz="2000">
-                          <a:effectLst/>
-                        </a:rPr>
-                        <a:t>Negara/Regional</a:t>
-                      </a:r>
-                      <a:endParaRPr lang="en-US" sz="2000">
-                        <a:effectLst/>
-                        <a:latin typeface="Calibri"/>
-                        <a:ea typeface="Calibri"/>
-                        <a:cs typeface="Times New Roman"/>
-                      </a:endParaRPr>
-                    </a:p>
-                  </a:txBody>
-                  <a:tcPr marL="68580" marR="68580" marT="0" marB="0"/>
-                </a:tc>
-                <a:tc>
-                  <a:txBody>
-                    <a:bodyPr/>
-                    <a:lstStyle/>
-                    <a:p>
-                      <a:pPr marL="0" marR="0">
-                        <a:spcBef>
-                          <a:spcPts val="0"/>
-                        </a:spcBef>
-                        <a:spcAft>
-                          <a:spcPts val="0"/>
-                        </a:spcAft>
-                      </a:pPr>
-                      <a:r>
-                        <a:rPr lang="en-US" sz="2000" dirty="0" err="1">
-                          <a:effectLst/>
-                        </a:rPr>
-                        <a:t>Bulan</a:t>
-                      </a:r>
-                      <a:r>
-                        <a:rPr lang="en-US" sz="2000" dirty="0">
-                          <a:effectLst/>
-                        </a:rPr>
-                        <a:t>/</a:t>
-                      </a:r>
-                      <a:r>
-                        <a:rPr lang="en-US" sz="2000" dirty="0" err="1">
-                          <a:effectLst/>
-                        </a:rPr>
-                        <a:t>Tahun</a:t>
-                      </a:r>
-                      <a:endParaRPr lang="en-US" sz="2000" dirty="0">
-                        <a:effectLst/>
-                        <a:latin typeface="Calibri"/>
-                        <a:ea typeface="Calibri"/>
-                        <a:cs typeface="Times New Roman"/>
-                      </a:endParaRPr>
-                    </a:p>
-                  </a:txBody>
-                  <a:tcPr marL="68580" marR="68580" marT="0" marB="0"/>
-                </a:tc>
-              </a:tr>
-            </a:tbl>
-          </a:graphicData>
-        </a:graphic>
-      </p:graphicFrame>
-    </p:spTree>
-    <p:extLst>
-      <p:ext uri="{BB962C8B-B14F-4D97-AF65-F5344CB8AC3E}">
-        <p14:creationId xmlns:p14="http://schemas.microsoft.com/office/powerpoint/2010/main" val="2612173880"/>
       </p:ext>
     </p:extLst>
   </p:cSld>
@@ -10985,6 +10829,7 @@
                 </a:solidFill>
                 <a:latin typeface="Roboto Light" panose="02000000000000000000" pitchFamily="2" charset="0"/>
                 <a:ea typeface="Roboto Light" panose="02000000000000000000" pitchFamily="2" charset="0"/>
+                <a:hlinkClick r:id="rId6" action="ppaction://hlinksldjump"/>
               </a:rPr>
               <a:t>Rancangan</a:t>
             </a:r>
@@ -10995,6 +10840,7 @@
                 </a:solidFill>
                 <a:latin typeface="Roboto Light" panose="02000000000000000000" pitchFamily="2" charset="0"/>
                 <a:ea typeface="Roboto Light" panose="02000000000000000000" pitchFamily="2" charset="0"/>
+                <a:hlinkClick r:id="rId6" action="ppaction://hlinksldjump"/>
               </a:rPr>
               <a:t> Dashboard</a:t>
             </a:r>
@@ -11005,9 +10851,17 @@
                 </a:solidFill>
                 <a:latin typeface="Roboto Light" panose="02000000000000000000" pitchFamily="2" charset="0"/>
                 <a:ea typeface="Roboto Light" panose="02000000000000000000" pitchFamily="2" charset="0"/>
-              </a:rPr>
-              <a:t> </a:t>
-            </a:r>
+                <a:hlinkClick r:id="rId6" action="ppaction://hlinksldjump"/>
+              </a:rPr>
+              <a:t> </a:t>
+            </a:r>
+            <a:endParaRPr lang="en-US" sz="2100" dirty="0" smtClean="0">
+              <a:solidFill>
+                <a:srgbClr val="002060"/>
+              </a:solidFill>
+              <a:latin typeface="Roboto Light" panose="02000000000000000000" pitchFamily="2" charset="0"/>
+              <a:ea typeface="Roboto Light" panose="02000000000000000000" pitchFamily="2" charset="0"/>
+            </a:endParaRPr>
           </a:p>
           <a:p>
             <a:r>
@@ -11017,6 +10871,7 @@
                 </a:solidFill>
                 <a:latin typeface="Roboto Light" panose="02000000000000000000" pitchFamily="2" charset="0"/>
                 <a:ea typeface="Roboto Light" panose="02000000000000000000" pitchFamily="2" charset="0"/>
+                <a:hlinkClick r:id="rId7" action="ppaction://hlinksldjump"/>
               </a:rPr>
               <a:t>Pengujian</a:t>
             </a:r>
@@ -11027,6 +10882,7 @@
                 </a:solidFill>
                 <a:latin typeface="Roboto Light" panose="02000000000000000000" pitchFamily="2" charset="0"/>
                 <a:ea typeface="Roboto Light" panose="02000000000000000000" pitchFamily="2" charset="0"/>
+                <a:hlinkClick r:id="rId7" action="ppaction://hlinksldjump"/>
               </a:rPr>
               <a:t> Dashboard</a:t>
             </a:r>
@@ -11046,8 +10902,9 @@
                 </a:solidFill>
                 <a:latin typeface="Roboto Light" panose="02000000000000000000" pitchFamily="2" charset="0"/>
                 <a:ea typeface="Roboto Light" panose="02000000000000000000" pitchFamily="2" charset="0"/>
-              </a:rPr>
-              <a:t>Simpulan</a:t>
+                <a:hlinkClick r:id="rId8" action="ppaction://hlinksldjump"/>
+              </a:rPr>
+              <a:t>Kesimpulan</a:t>
             </a:r>
             <a:r>
               <a:rPr lang="en-US" sz="2500" dirty="0" smtClean="0">
@@ -11056,6 +10913,7 @@
                 </a:solidFill>
                 <a:latin typeface="Roboto Light" panose="02000000000000000000" pitchFamily="2" charset="0"/>
                 <a:ea typeface="Roboto Light" panose="02000000000000000000" pitchFamily="2" charset="0"/>
+                <a:hlinkClick r:id="rId8" action="ppaction://hlinksldjump"/>
               </a:rPr>
               <a:t> </a:t>
             </a:r>
@@ -11066,6 +10924,7 @@
                 </a:solidFill>
                 <a:latin typeface="Roboto Light" panose="02000000000000000000" pitchFamily="2" charset="0"/>
                 <a:ea typeface="Roboto Light" panose="02000000000000000000" pitchFamily="2" charset="0"/>
+                <a:hlinkClick r:id="rId8" action="ppaction://hlinksldjump"/>
               </a:rPr>
               <a:t>dan</a:t>
             </a:r>
@@ -11076,9 +10935,17 @@
                 </a:solidFill>
                 <a:latin typeface="Roboto Light" panose="02000000000000000000" pitchFamily="2" charset="0"/>
                 <a:ea typeface="Roboto Light" panose="02000000000000000000" pitchFamily="2" charset="0"/>
+                <a:hlinkClick r:id="rId8" action="ppaction://hlinksldjump"/>
               </a:rPr>
               <a:t> Saran</a:t>
             </a:r>
+            <a:endParaRPr lang="en-US" sz="2500" dirty="0" smtClean="0">
+              <a:solidFill>
+                <a:srgbClr val="002060"/>
+              </a:solidFill>
+              <a:latin typeface="Roboto Light" panose="02000000000000000000" pitchFamily="2" charset="0"/>
+              <a:ea typeface="Roboto Light" panose="02000000000000000000" pitchFamily="2" charset="0"/>
+            </a:endParaRPr>
           </a:p>
         </p:txBody>
       </p:sp>
@@ -11155,7 +11022,7 @@
       <p:sp>
         <p:nvSpPr>
           <p:cNvPr id="6" name="Oval 5">
-            <a:hlinkClick r:id="rId6" action="ppaction://hlinksldjump"/>
+            <a:hlinkClick r:id="rId9" action="ppaction://hlinksldjump"/>
           </p:cNvPr>
           <p:cNvSpPr/>
           <p:nvPr/>
@@ -22278,7 +22145,7 @@
     <p:bg>
       <p:bgPr>
         <a:solidFill>
-          <a:srgbClr val="FF6699"/>
+          <a:schemeClr val="tx2"/>
         </a:solidFill>
         <a:effectLst/>
       </p:bgPr>
@@ -22307,14 +22174,14 @@
         </p:nvSpPr>
         <p:spPr>
           <a:xfrm>
-            <a:off x="4419600" y="5410200"/>
+            <a:off x="548640" y="4876800"/>
             <a:ext cx="304800" cy="304800"/>
           </a:xfrm>
           <a:prstGeom prst="ellipse">
             <a:avLst/>
           </a:prstGeom>
           <a:solidFill>
-            <a:srgbClr val="FF6699"/>
+            <a:schemeClr val="tx2"/>
           </a:solidFill>
           <a:ln w="28575">
             <a:solidFill>
@@ -22349,60 +22216,14 @@
       </p:sp>
       <p:sp>
         <p:nvSpPr>
-          <p:cNvPr id="2" name="Heart 1"/>
-          <p:cNvSpPr/>
-          <p:nvPr/>
-        </p:nvSpPr>
-        <p:spPr>
-          <a:xfrm>
-            <a:off x="2324100" y="1447800"/>
-            <a:ext cx="4495800" cy="3962400"/>
-          </a:xfrm>
-          <a:prstGeom prst="heart">
-            <a:avLst/>
-          </a:prstGeom>
-          <a:noFill/>
-          <a:ln w="28575">
-            <a:solidFill>
-              <a:schemeClr val="bg1"/>
-            </a:solidFill>
-          </a:ln>
-        </p:spPr>
-        <p:style>
-          <a:lnRef idx="2">
-            <a:schemeClr val="accent1">
-              <a:shade val="50000"/>
-            </a:schemeClr>
-          </a:lnRef>
-          <a:fillRef idx="1">
-            <a:schemeClr val="accent1"/>
-          </a:fillRef>
-          <a:effectRef idx="0">
-            <a:schemeClr val="accent1"/>
-          </a:effectRef>
-          <a:fontRef idx="minor">
-            <a:schemeClr val="lt1"/>
-          </a:fontRef>
-        </p:style>
-        <p:txBody>
-          <a:bodyPr rtlCol="0" anchor="ctr"/>
-          <a:lstStyle/>
-          <a:p>
-            <a:pPr algn="ctr"/>
-            <a:endParaRPr lang="en-US"/>
-          </a:p>
-        </p:txBody>
-      </p:sp>
-      <p:sp>
-        <p:nvSpPr>
           <p:cNvPr id="12" name="Freeform 11"/>
           <p:cNvSpPr/>
           <p:nvPr/>
         </p:nvSpPr>
         <p:spPr>
-          <a:xfrm>
-            <a:off x="762000" y="-609600"/>
-            <a:ext cx="3810001" cy="6019800"/>
+          <a:xfrm flipH="1">
+            <a:off x="716282" y="-609600"/>
+            <a:ext cx="45719" cy="5486400"/>
           </a:xfrm>
           <a:custGeom>
             <a:avLst/>
